--- a/1907045.pptx
+++ b/1907045.pptx
@@ -2,19 +2,19 @@
 <file path=ppt/presentation.xml><?xml version="1.0" encoding="utf-8"?>
 <p:presentation xmlns:a="http://schemas.openxmlformats.org/drawingml/2006/main" xmlns:r="http://schemas.openxmlformats.org/officeDocument/2006/relationships" xmlns:p="http://schemas.openxmlformats.org/presentationml/2006/main" saveSubsetFonts="1">
   <p:sldMasterIdLst>
-    <p:sldMasterId id="2147483648" r:id="rId1"/>
+    <p:sldMasterId id="2147483660" r:id="rId1"/>
   </p:sldMasterIdLst>
   <p:sldIdLst>
     <p:sldId id="256" r:id="rId2"/>
     <p:sldId id="257" r:id="rId3"/>
   </p:sldIdLst>
-  <p:sldSz cx="12192000" cy="6858000"/>
+  <p:sldSz cx="6858000" cy="9906000" type="A4"/>
   <p:notesSz cx="6858000" cy="9144000"/>
   <p:defaultTextStyle>
     <a:defPPr>
       <a:defRPr lang="en-US"/>
     </a:defPPr>
-    <a:lvl1pPr marL="0" algn="l" defTabSz="914400" rtl="0" eaLnBrk="1" latinLnBrk="0" hangingPunct="1">
+    <a:lvl1pPr marL="0" algn="l" defTabSz="457200" rtl="0" eaLnBrk="1" latinLnBrk="0" hangingPunct="1">
       <a:defRPr sz="1800" kern="1200">
         <a:solidFill>
           <a:schemeClr val="tx1"/>
@@ -24,7 +24,7 @@
         <a:cs typeface="+mn-cs"/>
       </a:defRPr>
     </a:lvl1pPr>
-    <a:lvl2pPr marL="457200" algn="l" defTabSz="914400" rtl="0" eaLnBrk="1" latinLnBrk="0" hangingPunct="1">
+    <a:lvl2pPr marL="457200" algn="l" defTabSz="457200" rtl="0" eaLnBrk="1" latinLnBrk="0" hangingPunct="1">
       <a:defRPr sz="1800" kern="1200">
         <a:solidFill>
           <a:schemeClr val="tx1"/>
@@ -34,7 +34,7 @@
         <a:cs typeface="+mn-cs"/>
       </a:defRPr>
     </a:lvl2pPr>
-    <a:lvl3pPr marL="914400" algn="l" defTabSz="914400" rtl="0" eaLnBrk="1" latinLnBrk="0" hangingPunct="1">
+    <a:lvl3pPr marL="914400" algn="l" defTabSz="457200" rtl="0" eaLnBrk="1" latinLnBrk="0" hangingPunct="1">
       <a:defRPr sz="1800" kern="1200">
         <a:solidFill>
           <a:schemeClr val="tx1"/>
@@ -44,7 +44,7 @@
         <a:cs typeface="+mn-cs"/>
       </a:defRPr>
     </a:lvl3pPr>
-    <a:lvl4pPr marL="1371600" algn="l" defTabSz="914400" rtl="0" eaLnBrk="1" latinLnBrk="0" hangingPunct="1">
+    <a:lvl4pPr marL="1371600" algn="l" defTabSz="457200" rtl="0" eaLnBrk="1" latinLnBrk="0" hangingPunct="1">
       <a:defRPr sz="1800" kern="1200">
         <a:solidFill>
           <a:schemeClr val="tx1"/>
@@ -54,7 +54,7 @@
         <a:cs typeface="+mn-cs"/>
       </a:defRPr>
     </a:lvl4pPr>
-    <a:lvl5pPr marL="1828800" algn="l" defTabSz="914400" rtl="0" eaLnBrk="1" latinLnBrk="0" hangingPunct="1">
+    <a:lvl5pPr marL="1828800" algn="l" defTabSz="457200" rtl="0" eaLnBrk="1" latinLnBrk="0" hangingPunct="1">
       <a:defRPr sz="1800" kern="1200">
         <a:solidFill>
           <a:schemeClr val="tx1"/>
@@ -64,7 +64,7 @@
         <a:cs typeface="+mn-cs"/>
       </a:defRPr>
     </a:lvl5pPr>
-    <a:lvl6pPr marL="2286000" algn="l" defTabSz="914400" rtl="0" eaLnBrk="1" latinLnBrk="0" hangingPunct="1">
+    <a:lvl6pPr marL="2286000" algn="l" defTabSz="457200" rtl="0" eaLnBrk="1" latinLnBrk="0" hangingPunct="1">
       <a:defRPr sz="1800" kern="1200">
         <a:solidFill>
           <a:schemeClr val="tx1"/>
@@ -74,7 +74,7 @@
         <a:cs typeface="+mn-cs"/>
       </a:defRPr>
     </a:lvl6pPr>
-    <a:lvl7pPr marL="2743200" algn="l" defTabSz="914400" rtl="0" eaLnBrk="1" latinLnBrk="0" hangingPunct="1">
+    <a:lvl7pPr marL="2743200" algn="l" defTabSz="457200" rtl="0" eaLnBrk="1" latinLnBrk="0" hangingPunct="1">
       <a:defRPr sz="1800" kern="1200">
         <a:solidFill>
           <a:schemeClr val="tx1"/>
@@ -84,7 +84,7 @@
         <a:cs typeface="+mn-cs"/>
       </a:defRPr>
     </a:lvl7pPr>
-    <a:lvl8pPr marL="3200400" algn="l" defTabSz="914400" rtl="0" eaLnBrk="1" latinLnBrk="0" hangingPunct="1">
+    <a:lvl8pPr marL="3200400" algn="l" defTabSz="457200" rtl="0" eaLnBrk="1" latinLnBrk="0" hangingPunct="1">
       <a:defRPr sz="1800" kern="1200">
         <a:solidFill>
           <a:schemeClr val="tx1"/>
@@ -94,7 +94,7 @@
         <a:cs typeface="+mn-cs"/>
       </a:defRPr>
     </a:lvl8pPr>
-    <a:lvl9pPr marL="3657600" algn="l" defTabSz="914400" rtl="0" eaLnBrk="1" latinLnBrk="0" hangingPunct="1">
+    <a:lvl9pPr marL="3657600" algn="l" defTabSz="457200" rtl="0" eaLnBrk="1" latinLnBrk="0" hangingPunct="1">
       <a:defRPr sz="1800" kern="1200">
         <a:solidFill>
           <a:schemeClr val="tx1"/>
@@ -105,6 +105,11 @@
       </a:defRPr>
     </a:lvl9pPr>
   </p:defaultTextStyle>
+  <p:extLst>
+    <p:ext uri="{EFAFB233-063F-42B5-8137-9DF3F51BA10A}">
+      <p15:sldGuideLst xmlns:p15="http://schemas.microsoft.com/office/powerpoint/2012/main"/>
+    </p:ext>
+  </p:extLst>
 </p:presentation>
 </file>
 
@@ -137,23 +142,23 @@
         </p:nvSpPr>
         <p:spPr>
           <a:xfrm>
-            <a:off x="1524000" y="1122363"/>
-            <a:ext cx="9144000" cy="2387600"/>
+            <a:off x="514350" y="1621191"/>
+            <a:ext cx="5829300" cy="3448756"/>
           </a:xfrm>
         </p:spPr>
         <p:txBody>
           <a:bodyPr anchor="b"/>
           <a:lstStyle>
             <a:lvl1pPr algn="ctr">
-              <a:defRPr sz="6000"/>
+              <a:defRPr sz="4500"/>
             </a:lvl1pPr>
           </a:lstStyle>
           <a:p>
             <a:r>
-              <a:rPr lang="en-US" smtClean="0"/>
+              <a:rPr lang="en-US"/>
               <a:t>Click to edit Master title style</a:t>
             </a:r>
-            <a:endParaRPr lang="en-US"/>
+            <a:endParaRPr lang="en-US" dirty="0"/>
           </a:p>
         </p:txBody>
       </p:sp>
@@ -169,8 +174,8 @@
         </p:nvSpPr>
         <p:spPr>
           <a:xfrm>
-            <a:off x="1524000" y="3602038"/>
-            <a:ext cx="9144000" cy="1655762"/>
+            <a:off x="857250" y="5202944"/>
+            <a:ext cx="5143500" cy="2391656"/>
           </a:xfrm>
         </p:spPr>
         <p:txBody>
@@ -178,47 +183,47 @@
           <a:lstStyle>
             <a:lvl1pPr marL="0" indent="0" algn="ctr">
               <a:buNone/>
-              <a:defRPr sz="2400"/>
+              <a:defRPr sz="1800"/>
             </a:lvl1pPr>
-            <a:lvl2pPr marL="457200" indent="0" algn="ctr">
-              <a:buNone/>
-              <a:defRPr sz="2000"/>
+            <a:lvl2pPr marL="342900" indent="0" algn="ctr">
+              <a:buNone/>
+              <a:defRPr sz="1500"/>
             </a:lvl2pPr>
-            <a:lvl3pPr marL="914400" indent="0" algn="ctr">
-              <a:buNone/>
-              <a:defRPr sz="1800"/>
+            <a:lvl3pPr marL="685800" indent="0" algn="ctr">
+              <a:buNone/>
+              <a:defRPr sz="1350"/>
             </a:lvl3pPr>
-            <a:lvl4pPr marL="1371600" indent="0" algn="ctr">
-              <a:buNone/>
-              <a:defRPr sz="1600"/>
+            <a:lvl4pPr marL="1028700" indent="0" algn="ctr">
+              <a:buNone/>
+              <a:defRPr sz="1200"/>
             </a:lvl4pPr>
-            <a:lvl5pPr marL="1828800" indent="0" algn="ctr">
-              <a:buNone/>
-              <a:defRPr sz="1600"/>
+            <a:lvl5pPr marL="1371600" indent="0" algn="ctr">
+              <a:buNone/>
+              <a:defRPr sz="1200"/>
             </a:lvl5pPr>
-            <a:lvl6pPr marL="2286000" indent="0" algn="ctr">
-              <a:buNone/>
-              <a:defRPr sz="1600"/>
+            <a:lvl6pPr marL="1714500" indent="0" algn="ctr">
+              <a:buNone/>
+              <a:defRPr sz="1200"/>
             </a:lvl6pPr>
-            <a:lvl7pPr marL="2743200" indent="0" algn="ctr">
-              <a:buNone/>
-              <a:defRPr sz="1600"/>
+            <a:lvl7pPr marL="2057400" indent="0" algn="ctr">
+              <a:buNone/>
+              <a:defRPr sz="1200"/>
             </a:lvl7pPr>
-            <a:lvl8pPr marL="3200400" indent="0" algn="ctr">
-              <a:buNone/>
-              <a:defRPr sz="1600"/>
+            <a:lvl8pPr marL="2400300" indent="0" algn="ctr">
+              <a:buNone/>
+              <a:defRPr sz="1200"/>
             </a:lvl8pPr>
-            <a:lvl9pPr marL="3657600" indent="0" algn="ctr">
-              <a:buNone/>
-              <a:defRPr sz="1600"/>
+            <a:lvl9pPr marL="2743200" indent="0" algn="ctr">
+              <a:buNone/>
+              <a:defRPr sz="1200"/>
             </a:lvl9pPr>
           </a:lstStyle>
           <a:p>
             <a:r>
-              <a:rPr lang="en-US" smtClean="0"/>
+              <a:rPr lang="en-US"/>
               <a:t>Click to edit Master subtitle style</a:t>
             </a:r>
-            <a:endParaRPr lang="en-US"/>
+            <a:endParaRPr lang="en-US" dirty="0"/>
           </a:p>
         </p:txBody>
       </p:sp>
@@ -239,7 +244,7 @@
           <a:p>
             <a:fld id="{5770CE29-82AD-45B3-AEF2-6BA340DD0E58}" type="datetimeFigureOut">
               <a:rPr lang="en-US" smtClean="0"/>
-              <a:t>2/15/2024</a:t>
+              <a:t>2/29/2024</a:t>
             </a:fld>
             <a:endParaRPr lang="en-US"/>
           </a:p>
@@ -290,7 +295,7 @@
     </p:spTree>
     <p:extLst>
       <p:ext uri="{BB962C8B-B14F-4D97-AF65-F5344CB8AC3E}">
-        <p14:creationId xmlns:p14="http://schemas.microsoft.com/office/powerpoint/2010/main" val="40705950"/>
+        <p14:creationId xmlns:p14="http://schemas.microsoft.com/office/powerpoint/2010/main" val="2380067512"/>
       </p:ext>
     </p:extLst>
   </p:cSld>
@@ -333,10 +338,10 @@
           <a:lstStyle/>
           <a:p>
             <a:r>
-              <a:rPr lang="en-US" smtClean="0"/>
+              <a:rPr lang="en-US"/>
               <a:t>Click to edit Master title style</a:t>
             </a:r>
-            <a:endParaRPr lang="en-US"/>
+            <a:endParaRPr lang="en-US" dirty="0"/>
           </a:p>
         </p:txBody>
       </p:sp>
@@ -357,38 +362,38 @@
           <a:p>
             <a:pPr lvl="0"/>
             <a:r>
-              <a:rPr lang="en-US" smtClean="0"/>
+              <a:rPr lang="en-US"/>
               <a:t>Click to edit Master text styles</a:t>
             </a:r>
           </a:p>
           <a:p>
             <a:pPr lvl="1"/>
             <a:r>
-              <a:rPr lang="en-US" smtClean="0"/>
+              <a:rPr lang="en-US"/>
               <a:t>Second level</a:t>
             </a:r>
           </a:p>
           <a:p>
             <a:pPr lvl="2"/>
             <a:r>
-              <a:rPr lang="en-US" smtClean="0"/>
+              <a:rPr lang="en-US"/>
               <a:t>Third level</a:t>
             </a:r>
           </a:p>
           <a:p>
             <a:pPr lvl="3"/>
             <a:r>
-              <a:rPr lang="en-US" smtClean="0"/>
+              <a:rPr lang="en-US"/>
               <a:t>Fourth level</a:t>
             </a:r>
           </a:p>
           <a:p>
             <a:pPr lvl="4"/>
             <a:r>
-              <a:rPr lang="en-US" smtClean="0"/>
+              <a:rPr lang="en-US"/>
               <a:t>Fifth level</a:t>
             </a:r>
-            <a:endParaRPr lang="en-US"/>
+            <a:endParaRPr lang="en-US" dirty="0"/>
           </a:p>
         </p:txBody>
       </p:sp>
@@ -409,7 +414,7 @@
           <a:p>
             <a:fld id="{5770CE29-82AD-45B3-AEF2-6BA340DD0E58}" type="datetimeFigureOut">
               <a:rPr lang="en-US" smtClean="0"/>
-              <a:t>2/15/2024</a:t>
+              <a:t>2/29/2024</a:t>
             </a:fld>
             <a:endParaRPr lang="en-US"/>
           </a:p>
@@ -460,7 +465,7 @@
     </p:spTree>
     <p:extLst>
       <p:ext uri="{BB962C8B-B14F-4D97-AF65-F5344CB8AC3E}">
-        <p14:creationId xmlns:p14="http://schemas.microsoft.com/office/powerpoint/2010/main" val="2603470556"/>
+        <p14:creationId xmlns:p14="http://schemas.microsoft.com/office/powerpoint/2010/main" val="1971255259"/>
       </p:ext>
     </p:extLst>
   </p:cSld>
@@ -499,8 +504,8 @@
         </p:nvSpPr>
         <p:spPr>
           <a:xfrm>
-            <a:off x="8724900" y="365125"/>
-            <a:ext cx="2628900" cy="5811838"/>
+            <a:off x="4907757" y="527403"/>
+            <a:ext cx="1478756" cy="8394877"/>
           </a:xfrm>
         </p:spPr>
         <p:txBody>
@@ -508,10 +513,10 @@
           <a:lstStyle/>
           <a:p>
             <a:r>
-              <a:rPr lang="en-US" smtClean="0"/>
+              <a:rPr lang="en-US"/>
               <a:t>Click to edit Master title style</a:t>
             </a:r>
-            <a:endParaRPr lang="en-US"/>
+            <a:endParaRPr lang="en-US" dirty="0"/>
           </a:p>
         </p:txBody>
       </p:sp>
@@ -527,8 +532,8 @@
         </p:nvSpPr>
         <p:spPr>
           <a:xfrm>
-            <a:off x="838200" y="365125"/>
-            <a:ext cx="7734300" cy="5811838"/>
+            <a:off x="471488" y="527403"/>
+            <a:ext cx="4350544" cy="8394877"/>
           </a:xfrm>
         </p:spPr>
         <p:txBody>
@@ -537,38 +542,38 @@
           <a:p>
             <a:pPr lvl="0"/>
             <a:r>
-              <a:rPr lang="en-US" smtClean="0"/>
+              <a:rPr lang="en-US"/>
               <a:t>Click to edit Master text styles</a:t>
             </a:r>
           </a:p>
           <a:p>
             <a:pPr lvl="1"/>
             <a:r>
-              <a:rPr lang="en-US" smtClean="0"/>
+              <a:rPr lang="en-US"/>
               <a:t>Second level</a:t>
             </a:r>
           </a:p>
           <a:p>
             <a:pPr lvl="2"/>
             <a:r>
-              <a:rPr lang="en-US" smtClean="0"/>
+              <a:rPr lang="en-US"/>
               <a:t>Third level</a:t>
             </a:r>
           </a:p>
           <a:p>
             <a:pPr lvl="3"/>
             <a:r>
-              <a:rPr lang="en-US" smtClean="0"/>
+              <a:rPr lang="en-US"/>
               <a:t>Fourth level</a:t>
             </a:r>
           </a:p>
           <a:p>
             <a:pPr lvl="4"/>
             <a:r>
-              <a:rPr lang="en-US" smtClean="0"/>
+              <a:rPr lang="en-US"/>
               <a:t>Fifth level</a:t>
             </a:r>
-            <a:endParaRPr lang="en-US"/>
+            <a:endParaRPr lang="en-US" dirty="0"/>
           </a:p>
         </p:txBody>
       </p:sp>
@@ -589,7 +594,7 @@
           <a:p>
             <a:fld id="{5770CE29-82AD-45B3-AEF2-6BA340DD0E58}" type="datetimeFigureOut">
               <a:rPr lang="en-US" smtClean="0"/>
-              <a:t>2/15/2024</a:t>
+              <a:t>2/29/2024</a:t>
             </a:fld>
             <a:endParaRPr lang="en-US"/>
           </a:p>
@@ -640,7 +645,7 @@
     </p:spTree>
     <p:extLst>
       <p:ext uri="{BB962C8B-B14F-4D97-AF65-F5344CB8AC3E}">
-        <p14:creationId xmlns:p14="http://schemas.microsoft.com/office/powerpoint/2010/main" val="1960540293"/>
+        <p14:creationId xmlns:p14="http://schemas.microsoft.com/office/powerpoint/2010/main" val="3126552133"/>
       </p:ext>
     </p:extLst>
   </p:cSld>
@@ -683,10 +688,10 @@
           <a:lstStyle/>
           <a:p>
             <a:r>
-              <a:rPr lang="en-US" smtClean="0"/>
+              <a:rPr lang="en-US"/>
               <a:t>Click to edit Master title style</a:t>
             </a:r>
-            <a:endParaRPr lang="en-US"/>
+            <a:endParaRPr lang="en-US" dirty="0"/>
           </a:p>
         </p:txBody>
       </p:sp>
@@ -707,38 +712,38 @@
           <a:p>
             <a:pPr lvl="0"/>
             <a:r>
-              <a:rPr lang="en-US" smtClean="0"/>
+              <a:rPr lang="en-US"/>
               <a:t>Click to edit Master text styles</a:t>
             </a:r>
           </a:p>
           <a:p>
             <a:pPr lvl="1"/>
             <a:r>
-              <a:rPr lang="en-US" smtClean="0"/>
+              <a:rPr lang="en-US"/>
               <a:t>Second level</a:t>
             </a:r>
           </a:p>
           <a:p>
             <a:pPr lvl="2"/>
             <a:r>
-              <a:rPr lang="en-US" smtClean="0"/>
+              <a:rPr lang="en-US"/>
               <a:t>Third level</a:t>
             </a:r>
           </a:p>
           <a:p>
             <a:pPr lvl="3"/>
             <a:r>
-              <a:rPr lang="en-US" smtClean="0"/>
+              <a:rPr lang="en-US"/>
               <a:t>Fourth level</a:t>
             </a:r>
           </a:p>
           <a:p>
             <a:pPr lvl="4"/>
             <a:r>
-              <a:rPr lang="en-US" smtClean="0"/>
+              <a:rPr lang="en-US"/>
               <a:t>Fifth level</a:t>
             </a:r>
-            <a:endParaRPr lang="en-US"/>
+            <a:endParaRPr lang="en-US" dirty="0"/>
           </a:p>
         </p:txBody>
       </p:sp>
@@ -759,7 +764,7 @@
           <a:p>
             <a:fld id="{5770CE29-82AD-45B3-AEF2-6BA340DD0E58}" type="datetimeFigureOut">
               <a:rPr lang="en-US" smtClean="0"/>
-              <a:t>2/15/2024</a:t>
+              <a:t>2/29/2024</a:t>
             </a:fld>
             <a:endParaRPr lang="en-US"/>
           </a:p>
@@ -810,7 +815,7 @@
     </p:spTree>
     <p:extLst>
       <p:ext uri="{BB962C8B-B14F-4D97-AF65-F5344CB8AC3E}">
-        <p14:creationId xmlns:p14="http://schemas.microsoft.com/office/powerpoint/2010/main" val="379769997"/>
+        <p14:creationId xmlns:p14="http://schemas.microsoft.com/office/powerpoint/2010/main" val="2902637845"/>
       </p:ext>
     </p:extLst>
   </p:cSld>
@@ -849,23 +854,23 @@
         </p:nvSpPr>
         <p:spPr>
           <a:xfrm>
-            <a:off x="831850" y="1709738"/>
-            <a:ext cx="10515600" cy="2852737"/>
+            <a:off x="467916" y="2469624"/>
+            <a:ext cx="5915025" cy="4120620"/>
           </a:xfrm>
         </p:spPr>
         <p:txBody>
           <a:bodyPr anchor="b"/>
           <a:lstStyle>
             <a:lvl1pPr>
-              <a:defRPr sz="6000"/>
+              <a:defRPr sz="4500"/>
             </a:lvl1pPr>
           </a:lstStyle>
           <a:p>
             <a:r>
-              <a:rPr lang="en-US" smtClean="0"/>
+              <a:rPr lang="en-US"/>
               <a:t>Click to edit Master title style</a:t>
             </a:r>
-            <a:endParaRPr lang="en-US"/>
+            <a:endParaRPr lang="en-US" dirty="0"/>
           </a:p>
         </p:txBody>
       </p:sp>
@@ -881,8 +886,8 @@
         </p:nvSpPr>
         <p:spPr>
           <a:xfrm>
-            <a:off x="831850" y="4589463"/>
-            <a:ext cx="10515600" cy="1500187"/>
+            <a:off x="467916" y="6629226"/>
+            <a:ext cx="5915025" cy="2166937"/>
           </a:xfrm>
         </p:spPr>
         <p:txBody>
@@ -890,17 +895,15 @@
           <a:lstStyle>
             <a:lvl1pPr marL="0" indent="0">
               <a:buNone/>
-              <a:defRPr sz="2400">
+              <a:defRPr sz="1800">
                 <a:solidFill>
-                  <a:schemeClr val="tx1">
-                    <a:tint val="75000"/>
-                  </a:schemeClr>
+                  <a:schemeClr val="tx1"/>
                 </a:solidFill>
               </a:defRPr>
             </a:lvl1pPr>
-            <a:lvl2pPr marL="457200" indent="0">
-              <a:buNone/>
-              <a:defRPr sz="2000">
+            <a:lvl2pPr marL="342900" indent="0">
+              <a:buNone/>
+              <a:defRPr sz="1500">
                 <a:solidFill>
                   <a:schemeClr val="tx1">
                     <a:tint val="75000"/>
@@ -908,9 +911,9 @@
                 </a:solidFill>
               </a:defRPr>
             </a:lvl2pPr>
-            <a:lvl3pPr marL="914400" indent="0">
-              <a:buNone/>
-              <a:defRPr sz="1800">
+            <a:lvl3pPr marL="685800" indent="0">
+              <a:buNone/>
+              <a:defRPr sz="1350">
                 <a:solidFill>
                   <a:schemeClr val="tx1">
                     <a:tint val="75000"/>
@@ -918,9 +921,9 @@
                 </a:solidFill>
               </a:defRPr>
             </a:lvl3pPr>
-            <a:lvl4pPr marL="1371600" indent="0">
-              <a:buNone/>
-              <a:defRPr sz="1600">
+            <a:lvl4pPr marL="1028700" indent="0">
+              <a:buNone/>
+              <a:defRPr sz="1200">
                 <a:solidFill>
                   <a:schemeClr val="tx1">
                     <a:tint val="75000"/>
@@ -928,9 +931,9 @@
                 </a:solidFill>
               </a:defRPr>
             </a:lvl4pPr>
-            <a:lvl5pPr marL="1828800" indent="0">
-              <a:buNone/>
-              <a:defRPr sz="1600">
+            <a:lvl5pPr marL="1371600" indent="0">
+              <a:buNone/>
+              <a:defRPr sz="1200">
                 <a:solidFill>
                   <a:schemeClr val="tx1">
                     <a:tint val="75000"/>
@@ -938,9 +941,9 @@
                 </a:solidFill>
               </a:defRPr>
             </a:lvl5pPr>
-            <a:lvl6pPr marL="2286000" indent="0">
-              <a:buNone/>
-              <a:defRPr sz="1600">
+            <a:lvl6pPr marL="1714500" indent="0">
+              <a:buNone/>
+              <a:defRPr sz="1200">
                 <a:solidFill>
                   <a:schemeClr val="tx1">
                     <a:tint val="75000"/>
@@ -948,9 +951,9 @@
                 </a:solidFill>
               </a:defRPr>
             </a:lvl6pPr>
-            <a:lvl7pPr marL="2743200" indent="0">
-              <a:buNone/>
-              <a:defRPr sz="1600">
+            <a:lvl7pPr marL="2057400" indent="0">
+              <a:buNone/>
+              <a:defRPr sz="1200">
                 <a:solidFill>
                   <a:schemeClr val="tx1">
                     <a:tint val="75000"/>
@@ -958,9 +961,9 @@
                 </a:solidFill>
               </a:defRPr>
             </a:lvl7pPr>
-            <a:lvl8pPr marL="3200400" indent="0">
-              <a:buNone/>
-              <a:defRPr sz="1600">
+            <a:lvl8pPr marL="2400300" indent="0">
+              <a:buNone/>
+              <a:defRPr sz="1200">
                 <a:solidFill>
                   <a:schemeClr val="tx1">
                     <a:tint val="75000"/>
@@ -968,9 +971,9 @@
                 </a:solidFill>
               </a:defRPr>
             </a:lvl8pPr>
-            <a:lvl9pPr marL="3657600" indent="0">
-              <a:buNone/>
-              <a:defRPr sz="1600">
+            <a:lvl9pPr marL="2743200" indent="0">
+              <a:buNone/>
+              <a:defRPr sz="1200">
                 <a:solidFill>
                   <a:schemeClr val="tx1">
                     <a:tint val="75000"/>
@@ -982,7 +985,7 @@
           <a:p>
             <a:pPr lvl="0"/>
             <a:r>
-              <a:rPr lang="en-US" smtClean="0"/>
+              <a:rPr lang="en-US"/>
               <a:t>Click to edit Master text styles</a:t>
             </a:r>
           </a:p>
@@ -1005,7 +1008,7 @@
           <a:p>
             <a:fld id="{5770CE29-82AD-45B3-AEF2-6BA340DD0E58}" type="datetimeFigureOut">
               <a:rPr lang="en-US" smtClean="0"/>
-              <a:t>2/15/2024</a:t>
+              <a:t>2/29/2024</a:t>
             </a:fld>
             <a:endParaRPr lang="en-US"/>
           </a:p>
@@ -1056,7 +1059,7 @@
     </p:spTree>
     <p:extLst>
       <p:ext uri="{BB962C8B-B14F-4D97-AF65-F5344CB8AC3E}">
-        <p14:creationId xmlns:p14="http://schemas.microsoft.com/office/powerpoint/2010/main" val="3036949897"/>
+        <p14:creationId xmlns:p14="http://schemas.microsoft.com/office/powerpoint/2010/main" val="2144736054"/>
       </p:ext>
     </p:extLst>
   </p:cSld>
@@ -1099,10 +1102,10 @@
           <a:lstStyle/>
           <a:p>
             <a:r>
-              <a:rPr lang="en-US" smtClean="0"/>
+              <a:rPr lang="en-US"/>
               <a:t>Click to edit Master title style</a:t>
             </a:r>
-            <a:endParaRPr lang="en-US"/>
+            <a:endParaRPr lang="en-US" dirty="0"/>
           </a:p>
         </p:txBody>
       </p:sp>
@@ -1118,8 +1121,8 @@
         </p:nvSpPr>
         <p:spPr>
           <a:xfrm>
-            <a:off x="838200" y="1825625"/>
-            <a:ext cx="5181600" cy="4351338"/>
+            <a:off x="471488" y="2637014"/>
+            <a:ext cx="2914650" cy="6285266"/>
           </a:xfrm>
         </p:spPr>
         <p:txBody>
@@ -1128,38 +1131,38 @@
           <a:p>
             <a:pPr lvl="0"/>
             <a:r>
-              <a:rPr lang="en-US" smtClean="0"/>
+              <a:rPr lang="en-US"/>
               <a:t>Click to edit Master text styles</a:t>
             </a:r>
           </a:p>
           <a:p>
             <a:pPr lvl="1"/>
             <a:r>
-              <a:rPr lang="en-US" smtClean="0"/>
+              <a:rPr lang="en-US"/>
               <a:t>Second level</a:t>
             </a:r>
           </a:p>
           <a:p>
             <a:pPr lvl="2"/>
             <a:r>
-              <a:rPr lang="en-US" smtClean="0"/>
+              <a:rPr lang="en-US"/>
               <a:t>Third level</a:t>
             </a:r>
           </a:p>
           <a:p>
             <a:pPr lvl="3"/>
             <a:r>
-              <a:rPr lang="en-US" smtClean="0"/>
+              <a:rPr lang="en-US"/>
               <a:t>Fourth level</a:t>
             </a:r>
           </a:p>
           <a:p>
             <a:pPr lvl="4"/>
             <a:r>
-              <a:rPr lang="en-US" smtClean="0"/>
+              <a:rPr lang="en-US"/>
               <a:t>Fifth level</a:t>
             </a:r>
-            <a:endParaRPr lang="en-US"/>
+            <a:endParaRPr lang="en-US" dirty="0"/>
           </a:p>
         </p:txBody>
       </p:sp>
@@ -1175,8 +1178,8 @@
         </p:nvSpPr>
         <p:spPr>
           <a:xfrm>
-            <a:off x="6172200" y="1825625"/>
-            <a:ext cx="5181600" cy="4351338"/>
+            <a:off x="3471863" y="2637014"/>
+            <a:ext cx="2914650" cy="6285266"/>
           </a:xfrm>
         </p:spPr>
         <p:txBody>
@@ -1185,38 +1188,38 @@
           <a:p>
             <a:pPr lvl="0"/>
             <a:r>
-              <a:rPr lang="en-US" smtClean="0"/>
+              <a:rPr lang="en-US"/>
               <a:t>Click to edit Master text styles</a:t>
             </a:r>
           </a:p>
           <a:p>
             <a:pPr lvl="1"/>
             <a:r>
-              <a:rPr lang="en-US" smtClean="0"/>
+              <a:rPr lang="en-US"/>
               <a:t>Second level</a:t>
             </a:r>
           </a:p>
           <a:p>
             <a:pPr lvl="2"/>
             <a:r>
-              <a:rPr lang="en-US" smtClean="0"/>
+              <a:rPr lang="en-US"/>
               <a:t>Third level</a:t>
             </a:r>
           </a:p>
           <a:p>
             <a:pPr lvl="3"/>
             <a:r>
-              <a:rPr lang="en-US" smtClean="0"/>
+              <a:rPr lang="en-US"/>
               <a:t>Fourth level</a:t>
             </a:r>
           </a:p>
           <a:p>
             <a:pPr lvl="4"/>
             <a:r>
-              <a:rPr lang="en-US" smtClean="0"/>
+              <a:rPr lang="en-US"/>
               <a:t>Fifth level</a:t>
             </a:r>
-            <a:endParaRPr lang="en-US"/>
+            <a:endParaRPr lang="en-US" dirty="0"/>
           </a:p>
         </p:txBody>
       </p:sp>
@@ -1237,7 +1240,7 @@
           <a:p>
             <a:fld id="{5770CE29-82AD-45B3-AEF2-6BA340DD0E58}" type="datetimeFigureOut">
               <a:rPr lang="en-US" smtClean="0"/>
-              <a:t>2/15/2024</a:t>
+              <a:t>2/29/2024</a:t>
             </a:fld>
             <a:endParaRPr lang="en-US"/>
           </a:p>
@@ -1288,7 +1291,7 @@
     </p:spTree>
     <p:extLst>
       <p:ext uri="{BB962C8B-B14F-4D97-AF65-F5344CB8AC3E}">
-        <p14:creationId xmlns:p14="http://schemas.microsoft.com/office/powerpoint/2010/main" val="3951233036"/>
+        <p14:creationId xmlns:p14="http://schemas.microsoft.com/office/powerpoint/2010/main" val="1407652632"/>
       </p:ext>
     </p:extLst>
   </p:cSld>
@@ -1327,8 +1330,8 @@
         </p:nvSpPr>
         <p:spPr>
           <a:xfrm>
-            <a:off x="839788" y="365125"/>
-            <a:ext cx="10515600" cy="1325563"/>
+            <a:off x="472381" y="527405"/>
+            <a:ext cx="5915025" cy="1914702"/>
           </a:xfrm>
         </p:spPr>
         <p:txBody>
@@ -1336,10 +1339,10 @@
           <a:lstStyle/>
           <a:p>
             <a:r>
-              <a:rPr lang="en-US" smtClean="0"/>
+              <a:rPr lang="en-US"/>
               <a:t>Click to edit Master title style</a:t>
             </a:r>
-            <a:endParaRPr lang="en-US"/>
+            <a:endParaRPr lang="en-US" dirty="0"/>
           </a:p>
         </p:txBody>
       </p:sp>
@@ -1355,8 +1358,8 @@
         </p:nvSpPr>
         <p:spPr>
           <a:xfrm>
-            <a:off x="839788" y="1681163"/>
-            <a:ext cx="5157787" cy="823912"/>
+            <a:off x="472381" y="2428347"/>
+            <a:ext cx="2901255" cy="1190095"/>
           </a:xfrm>
         </p:spPr>
         <p:txBody>
@@ -1364,45 +1367,45 @@
           <a:lstStyle>
             <a:lvl1pPr marL="0" indent="0">
               <a:buNone/>
-              <a:defRPr sz="2400" b="1"/>
+              <a:defRPr sz="1800" b="1"/>
             </a:lvl1pPr>
-            <a:lvl2pPr marL="457200" indent="0">
-              <a:buNone/>
-              <a:defRPr sz="2000" b="1"/>
+            <a:lvl2pPr marL="342900" indent="0">
+              <a:buNone/>
+              <a:defRPr sz="1500" b="1"/>
             </a:lvl2pPr>
-            <a:lvl3pPr marL="914400" indent="0">
-              <a:buNone/>
-              <a:defRPr sz="1800" b="1"/>
+            <a:lvl3pPr marL="685800" indent="0">
+              <a:buNone/>
+              <a:defRPr sz="1350" b="1"/>
             </a:lvl3pPr>
-            <a:lvl4pPr marL="1371600" indent="0">
-              <a:buNone/>
-              <a:defRPr sz="1600" b="1"/>
+            <a:lvl4pPr marL="1028700" indent="0">
+              <a:buNone/>
+              <a:defRPr sz="1200" b="1"/>
             </a:lvl4pPr>
-            <a:lvl5pPr marL="1828800" indent="0">
-              <a:buNone/>
-              <a:defRPr sz="1600" b="1"/>
+            <a:lvl5pPr marL="1371600" indent="0">
+              <a:buNone/>
+              <a:defRPr sz="1200" b="1"/>
             </a:lvl5pPr>
-            <a:lvl6pPr marL="2286000" indent="0">
-              <a:buNone/>
-              <a:defRPr sz="1600" b="1"/>
+            <a:lvl6pPr marL="1714500" indent="0">
+              <a:buNone/>
+              <a:defRPr sz="1200" b="1"/>
             </a:lvl6pPr>
-            <a:lvl7pPr marL="2743200" indent="0">
-              <a:buNone/>
-              <a:defRPr sz="1600" b="1"/>
+            <a:lvl7pPr marL="2057400" indent="0">
+              <a:buNone/>
+              <a:defRPr sz="1200" b="1"/>
             </a:lvl7pPr>
-            <a:lvl8pPr marL="3200400" indent="0">
-              <a:buNone/>
-              <a:defRPr sz="1600" b="1"/>
+            <a:lvl8pPr marL="2400300" indent="0">
+              <a:buNone/>
+              <a:defRPr sz="1200" b="1"/>
             </a:lvl8pPr>
-            <a:lvl9pPr marL="3657600" indent="0">
-              <a:buNone/>
-              <a:defRPr sz="1600" b="1"/>
+            <a:lvl9pPr marL="2743200" indent="0">
+              <a:buNone/>
+              <a:defRPr sz="1200" b="1"/>
             </a:lvl9pPr>
           </a:lstStyle>
           <a:p>
             <a:pPr lvl="0"/>
             <a:r>
-              <a:rPr lang="en-US" smtClean="0"/>
+              <a:rPr lang="en-US"/>
               <a:t>Click to edit Master text styles</a:t>
             </a:r>
           </a:p>
@@ -1420,8 +1423,8 @@
         </p:nvSpPr>
         <p:spPr>
           <a:xfrm>
-            <a:off x="839788" y="2505075"/>
-            <a:ext cx="5157787" cy="3684588"/>
+            <a:off x="472381" y="3618442"/>
+            <a:ext cx="2901255" cy="5322183"/>
           </a:xfrm>
         </p:spPr>
         <p:txBody>
@@ -1430,38 +1433,38 @@
           <a:p>
             <a:pPr lvl="0"/>
             <a:r>
-              <a:rPr lang="en-US" smtClean="0"/>
+              <a:rPr lang="en-US"/>
               <a:t>Click to edit Master text styles</a:t>
             </a:r>
           </a:p>
           <a:p>
             <a:pPr lvl="1"/>
             <a:r>
-              <a:rPr lang="en-US" smtClean="0"/>
+              <a:rPr lang="en-US"/>
               <a:t>Second level</a:t>
             </a:r>
           </a:p>
           <a:p>
             <a:pPr lvl="2"/>
             <a:r>
-              <a:rPr lang="en-US" smtClean="0"/>
+              <a:rPr lang="en-US"/>
               <a:t>Third level</a:t>
             </a:r>
           </a:p>
           <a:p>
             <a:pPr lvl="3"/>
             <a:r>
-              <a:rPr lang="en-US" smtClean="0"/>
+              <a:rPr lang="en-US"/>
               <a:t>Fourth level</a:t>
             </a:r>
           </a:p>
           <a:p>
             <a:pPr lvl="4"/>
             <a:r>
-              <a:rPr lang="en-US" smtClean="0"/>
+              <a:rPr lang="en-US"/>
               <a:t>Fifth level</a:t>
             </a:r>
-            <a:endParaRPr lang="en-US"/>
+            <a:endParaRPr lang="en-US" dirty="0"/>
           </a:p>
         </p:txBody>
       </p:sp>
@@ -1477,8 +1480,8 @@
         </p:nvSpPr>
         <p:spPr>
           <a:xfrm>
-            <a:off x="6172200" y="1681163"/>
-            <a:ext cx="5183188" cy="823912"/>
+            <a:off x="3471863" y="2428347"/>
+            <a:ext cx="2915543" cy="1190095"/>
           </a:xfrm>
         </p:spPr>
         <p:txBody>
@@ -1486,45 +1489,45 @@
           <a:lstStyle>
             <a:lvl1pPr marL="0" indent="0">
               <a:buNone/>
-              <a:defRPr sz="2400" b="1"/>
+              <a:defRPr sz="1800" b="1"/>
             </a:lvl1pPr>
-            <a:lvl2pPr marL="457200" indent="0">
-              <a:buNone/>
-              <a:defRPr sz="2000" b="1"/>
+            <a:lvl2pPr marL="342900" indent="0">
+              <a:buNone/>
+              <a:defRPr sz="1500" b="1"/>
             </a:lvl2pPr>
-            <a:lvl3pPr marL="914400" indent="0">
-              <a:buNone/>
-              <a:defRPr sz="1800" b="1"/>
+            <a:lvl3pPr marL="685800" indent="0">
+              <a:buNone/>
+              <a:defRPr sz="1350" b="1"/>
             </a:lvl3pPr>
-            <a:lvl4pPr marL="1371600" indent="0">
-              <a:buNone/>
-              <a:defRPr sz="1600" b="1"/>
+            <a:lvl4pPr marL="1028700" indent="0">
+              <a:buNone/>
+              <a:defRPr sz="1200" b="1"/>
             </a:lvl4pPr>
-            <a:lvl5pPr marL="1828800" indent="0">
-              <a:buNone/>
-              <a:defRPr sz="1600" b="1"/>
+            <a:lvl5pPr marL="1371600" indent="0">
+              <a:buNone/>
+              <a:defRPr sz="1200" b="1"/>
             </a:lvl5pPr>
-            <a:lvl6pPr marL="2286000" indent="0">
-              <a:buNone/>
-              <a:defRPr sz="1600" b="1"/>
+            <a:lvl6pPr marL="1714500" indent="0">
+              <a:buNone/>
+              <a:defRPr sz="1200" b="1"/>
             </a:lvl6pPr>
-            <a:lvl7pPr marL="2743200" indent="0">
-              <a:buNone/>
-              <a:defRPr sz="1600" b="1"/>
+            <a:lvl7pPr marL="2057400" indent="0">
+              <a:buNone/>
+              <a:defRPr sz="1200" b="1"/>
             </a:lvl7pPr>
-            <a:lvl8pPr marL="3200400" indent="0">
-              <a:buNone/>
-              <a:defRPr sz="1600" b="1"/>
+            <a:lvl8pPr marL="2400300" indent="0">
+              <a:buNone/>
+              <a:defRPr sz="1200" b="1"/>
             </a:lvl8pPr>
-            <a:lvl9pPr marL="3657600" indent="0">
-              <a:buNone/>
-              <a:defRPr sz="1600" b="1"/>
+            <a:lvl9pPr marL="2743200" indent="0">
+              <a:buNone/>
+              <a:defRPr sz="1200" b="1"/>
             </a:lvl9pPr>
           </a:lstStyle>
           <a:p>
             <a:pPr lvl="0"/>
             <a:r>
-              <a:rPr lang="en-US" smtClean="0"/>
+              <a:rPr lang="en-US"/>
               <a:t>Click to edit Master text styles</a:t>
             </a:r>
           </a:p>
@@ -1542,8 +1545,8 @@
         </p:nvSpPr>
         <p:spPr>
           <a:xfrm>
-            <a:off x="6172200" y="2505075"/>
-            <a:ext cx="5183188" cy="3684588"/>
+            <a:off x="3471863" y="3618442"/>
+            <a:ext cx="2915543" cy="5322183"/>
           </a:xfrm>
         </p:spPr>
         <p:txBody>
@@ -1552,38 +1555,38 @@
           <a:p>
             <a:pPr lvl="0"/>
             <a:r>
-              <a:rPr lang="en-US" smtClean="0"/>
+              <a:rPr lang="en-US"/>
               <a:t>Click to edit Master text styles</a:t>
             </a:r>
           </a:p>
           <a:p>
             <a:pPr lvl="1"/>
             <a:r>
-              <a:rPr lang="en-US" smtClean="0"/>
+              <a:rPr lang="en-US"/>
               <a:t>Second level</a:t>
             </a:r>
           </a:p>
           <a:p>
             <a:pPr lvl="2"/>
             <a:r>
-              <a:rPr lang="en-US" smtClean="0"/>
+              <a:rPr lang="en-US"/>
               <a:t>Third level</a:t>
             </a:r>
           </a:p>
           <a:p>
             <a:pPr lvl="3"/>
             <a:r>
-              <a:rPr lang="en-US" smtClean="0"/>
+              <a:rPr lang="en-US"/>
               <a:t>Fourth level</a:t>
             </a:r>
           </a:p>
           <a:p>
             <a:pPr lvl="4"/>
             <a:r>
-              <a:rPr lang="en-US" smtClean="0"/>
+              <a:rPr lang="en-US"/>
               <a:t>Fifth level</a:t>
             </a:r>
-            <a:endParaRPr lang="en-US"/>
+            <a:endParaRPr lang="en-US" dirty="0"/>
           </a:p>
         </p:txBody>
       </p:sp>
@@ -1604,7 +1607,7 @@
           <a:p>
             <a:fld id="{5770CE29-82AD-45B3-AEF2-6BA340DD0E58}" type="datetimeFigureOut">
               <a:rPr lang="en-US" smtClean="0"/>
-              <a:t>2/15/2024</a:t>
+              <a:t>2/29/2024</a:t>
             </a:fld>
             <a:endParaRPr lang="en-US"/>
           </a:p>
@@ -1655,7 +1658,7 @@
     </p:spTree>
     <p:extLst>
       <p:ext uri="{BB962C8B-B14F-4D97-AF65-F5344CB8AC3E}">
-        <p14:creationId xmlns:p14="http://schemas.microsoft.com/office/powerpoint/2010/main" val="1614630494"/>
+        <p14:creationId xmlns:p14="http://schemas.microsoft.com/office/powerpoint/2010/main" val="3461776841"/>
       </p:ext>
     </p:extLst>
   </p:cSld>
@@ -1698,10 +1701,10 @@
           <a:lstStyle/>
           <a:p>
             <a:r>
-              <a:rPr lang="en-US" smtClean="0"/>
+              <a:rPr lang="en-US"/>
               <a:t>Click to edit Master title style</a:t>
             </a:r>
-            <a:endParaRPr lang="en-US"/>
+            <a:endParaRPr lang="en-US" dirty="0"/>
           </a:p>
         </p:txBody>
       </p:sp>
@@ -1722,7 +1725,7 @@
           <a:p>
             <a:fld id="{5770CE29-82AD-45B3-AEF2-6BA340DD0E58}" type="datetimeFigureOut">
               <a:rPr lang="en-US" smtClean="0"/>
-              <a:t>2/15/2024</a:t>
+              <a:t>2/29/2024</a:t>
             </a:fld>
             <a:endParaRPr lang="en-US"/>
           </a:p>
@@ -1773,7 +1776,7 @@
     </p:spTree>
     <p:extLst>
       <p:ext uri="{BB962C8B-B14F-4D97-AF65-F5344CB8AC3E}">
-        <p14:creationId xmlns:p14="http://schemas.microsoft.com/office/powerpoint/2010/main" val="1312709072"/>
+        <p14:creationId xmlns:p14="http://schemas.microsoft.com/office/powerpoint/2010/main" val="3934995016"/>
       </p:ext>
     </p:extLst>
   </p:cSld>
@@ -1817,7 +1820,7 @@
           <a:p>
             <a:fld id="{5770CE29-82AD-45B3-AEF2-6BA340DD0E58}" type="datetimeFigureOut">
               <a:rPr lang="en-US" smtClean="0"/>
-              <a:t>2/15/2024</a:t>
+              <a:t>2/29/2024</a:t>
             </a:fld>
             <a:endParaRPr lang="en-US"/>
           </a:p>
@@ -1868,7 +1871,7 @@
     </p:spTree>
     <p:extLst>
       <p:ext uri="{BB962C8B-B14F-4D97-AF65-F5344CB8AC3E}">
-        <p14:creationId xmlns:p14="http://schemas.microsoft.com/office/powerpoint/2010/main" val="3040438652"/>
+        <p14:creationId xmlns:p14="http://schemas.microsoft.com/office/powerpoint/2010/main" val="1605519508"/>
       </p:ext>
     </p:extLst>
   </p:cSld>
@@ -1907,23 +1910,23 @@
         </p:nvSpPr>
         <p:spPr>
           <a:xfrm>
-            <a:off x="839788" y="457200"/>
-            <a:ext cx="3932237" cy="1600200"/>
+            <a:off x="472381" y="660400"/>
+            <a:ext cx="2211884" cy="2311400"/>
           </a:xfrm>
         </p:spPr>
         <p:txBody>
           <a:bodyPr anchor="b"/>
           <a:lstStyle>
             <a:lvl1pPr>
-              <a:defRPr sz="3200"/>
+              <a:defRPr sz="2400"/>
             </a:lvl1pPr>
           </a:lstStyle>
           <a:p>
             <a:r>
-              <a:rPr lang="en-US" smtClean="0"/>
+              <a:rPr lang="en-US"/>
               <a:t>Click to edit Master title style</a:t>
             </a:r>
-            <a:endParaRPr lang="en-US"/>
+            <a:endParaRPr lang="en-US" dirty="0"/>
           </a:p>
         </p:txBody>
       </p:sp>
@@ -1939,76 +1942,76 @@
         </p:nvSpPr>
         <p:spPr>
           <a:xfrm>
-            <a:off x="5183188" y="987425"/>
-            <a:ext cx="6172200" cy="4873625"/>
+            <a:off x="2915543" y="1426283"/>
+            <a:ext cx="3471863" cy="7039681"/>
           </a:xfrm>
         </p:spPr>
         <p:txBody>
           <a:bodyPr/>
           <a:lstStyle>
             <a:lvl1pPr>
-              <a:defRPr sz="3200"/>
+              <a:defRPr sz="2400"/>
             </a:lvl1pPr>
             <a:lvl2pPr>
-              <a:defRPr sz="2800"/>
+              <a:defRPr sz="2100"/>
             </a:lvl2pPr>
             <a:lvl3pPr>
-              <a:defRPr sz="2400"/>
+              <a:defRPr sz="1800"/>
             </a:lvl3pPr>
             <a:lvl4pPr>
-              <a:defRPr sz="2000"/>
+              <a:defRPr sz="1500"/>
             </a:lvl4pPr>
             <a:lvl5pPr>
-              <a:defRPr sz="2000"/>
+              <a:defRPr sz="1500"/>
             </a:lvl5pPr>
             <a:lvl6pPr>
-              <a:defRPr sz="2000"/>
+              <a:defRPr sz="1500"/>
             </a:lvl6pPr>
             <a:lvl7pPr>
-              <a:defRPr sz="2000"/>
+              <a:defRPr sz="1500"/>
             </a:lvl7pPr>
             <a:lvl8pPr>
-              <a:defRPr sz="2000"/>
+              <a:defRPr sz="1500"/>
             </a:lvl8pPr>
             <a:lvl9pPr>
-              <a:defRPr sz="2000"/>
+              <a:defRPr sz="1500"/>
             </a:lvl9pPr>
           </a:lstStyle>
           <a:p>
             <a:pPr lvl="0"/>
             <a:r>
-              <a:rPr lang="en-US" smtClean="0"/>
+              <a:rPr lang="en-US"/>
               <a:t>Click to edit Master text styles</a:t>
             </a:r>
           </a:p>
           <a:p>
             <a:pPr lvl="1"/>
             <a:r>
-              <a:rPr lang="en-US" smtClean="0"/>
+              <a:rPr lang="en-US"/>
               <a:t>Second level</a:t>
             </a:r>
           </a:p>
           <a:p>
             <a:pPr lvl="2"/>
             <a:r>
-              <a:rPr lang="en-US" smtClean="0"/>
+              <a:rPr lang="en-US"/>
               <a:t>Third level</a:t>
             </a:r>
           </a:p>
           <a:p>
             <a:pPr lvl="3"/>
             <a:r>
-              <a:rPr lang="en-US" smtClean="0"/>
+              <a:rPr lang="en-US"/>
               <a:t>Fourth level</a:t>
             </a:r>
           </a:p>
           <a:p>
             <a:pPr lvl="4"/>
             <a:r>
-              <a:rPr lang="en-US" smtClean="0"/>
+              <a:rPr lang="en-US"/>
               <a:t>Fifth level</a:t>
             </a:r>
-            <a:endParaRPr lang="en-US"/>
+            <a:endParaRPr lang="en-US" dirty="0"/>
           </a:p>
         </p:txBody>
       </p:sp>
@@ -2024,8 +2027,8 @@
         </p:nvSpPr>
         <p:spPr>
           <a:xfrm>
-            <a:off x="839788" y="2057400"/>
-            <a:ext cx="3932237" cy="3811588"/>
+            <a:off x="472381" y="2971800"/>
+            <a:ext cx="2211884" cy="5505627"/>
           </a:xfrm>
         </p:spPr>
         <p:txBody>
@@ -2033,45 +2036,45 @@
           <a:lstStyle>
             <a:lvl1pPr marL="0" indent="0">
               <a:buNone/>
-              <a:defRPr sz="1600"/>
+              <a:defRPr sz="1200"/>
             </a:lvl1pPr>
-            <a:lvl2pPr marL="457200" indent="0">
-              <a:buNone/>
-              <a:defRPr sz="1400"/>
+            <a:lvl2pPr marL="342900" indent="0">
+              <a:buNone/>
+              <a:defRPr sz="1050"/>
             </a:lvl2pPr>
-            <a:lvl3pPr marL="914400" indent="0">
-              <a:buNone/>
-              <a:defRPr sz="1200"/>
+            <a:lvl3pPr marL="685800" indent="0">
+              <a:buNone/>
+              <a:defRPr sz="900"/>
             </a:lvl3pPr>
-            <a:lvl4pPr marL="1371600" indent="0">
-              <a:buNone/>
-              <a:defRPr sz="1000"/>
+            <a:lvl4pPr marL="1028700" indent="0">
+              <a:buNone/>
+              <a:defRPr sz="750"/>
             </a:lvl4pPr>
-            <a:lvl5pPr marL="1828800" indent="0">
-              <a:buNone/>
-              <a:defRPr sz="1000"/>
+            <a:lvl5pPr marL="1371600" indent="0">
+              <a:buNone/>
+              <a:defRPr sz="750"/>
             </a:lvl5pPr>
-            <a:lvl6pPr marL="2286000" indent="0">
-              <a:buNone/>
-              <a:defRPr sz="1000"/>
+            <a:lvl6pPr marL="1714500" indent="0">
+              <a:buNone/>
+              <a:defRPr sz="750"/>
             </a:lvl6pPr>
-            <a:lvl7pPr marL="2743200" indent="0">
-              <a:buNone/>
-              <a:defRPr sz="1000"/>
+            <a:lvl7pPr marL="2057400" indent="0">
+              <a:buNone/>
+              <a:defRPr sz="750"/>
             </a:lvl7pPr>
-            <a:lvl8pPr marL="3200400" indent="0">
-              <a:buNone/>
-              <a:defRPr sz="1000"/>
+            <a:lvl8pPr marL="2400300" indent="0">
+              <a:buNone/>
+              <a:defRPr sz="750"/>
             </a:lvl8pPr>
-            <a:lvl9pPr marL="3657600" indent="0">
-              <a:buNone/>
-              <a:defRPr sz="1000"/>
+            <a:lvl9pPr marL="2743200" indent="0">
+              <a:buNone/>
+              <a:defRPr sz="750"/>
             </a:lvl9pPr>
           </a:lstStyle>
           <a:p>
             <a:pPr lvl="0"/>
             <a:r>
-              <a:rPr lang="en-US" smtClean="0"/>
+              <a:rPr lang="en-US"/>
               <a:t>Click to edit Master text styles</a:t>
             </a:r>
           </a:p>
@@ -2094,7 +2097,7 @@
           <a:p>
             <a:fld id="{5770CE29-82AD-45B3-AEF2-6BA340DD0E58}" type="datetimeFigureOut">
               <a:rPr lang="en-US" smtClean="0"/>
-              <a:t>2/15/2024</a:t>
+              <a:t>2/29/2024</a:t>
             </a:fld>
             <a:endParaRPr lang="en-US"/>
           </a:p>
@@ -2145,7 +2148,7 @@
     </p:spTree>
     <p:extLst>
       <p:ext uri="{BB962C8B-B14F-4D97-AF65-F5344CB8AC3E}">
-        <p14:creationId xmlns:p14="http://schemas.microsoft.com/office/powerpoint/2010/main" val="2979124384"/>
+        <p14:creationId xmlns:p14="http://schemas.microsoft.com/office/powerpoint/2010/main" val="4079174850"/>
       </p:ext>
     </p:extLst>
   </p:cSld>
@@ -2184,23 +2187,23 @@
         </p:nvSpPr>
         <p:spPr>
           <a:xfrm>
-            <a:off x="839788" y="457200"/>
-            <a:ext cx="3932237" cy="1600200"/>
+            <a:off x="472381" y="660400"/>
+            <a:ext cx="2211884" cy="2311400"/>
           </a:xfrm>
         </p:spPr>
         <p:txBody>
           <a:bodyPr anchor="b"/>
           <a:lstStyle>
             <a:lvl1pPr>
-              <a:defRPr sz="3200"/>
+              <a:defRPr sz="2400"/>
             </a:lvl1pPr>
           </a:lstStyle>
           <a:p>
             <a:r>
-              <a:rPr lang="en-US" smtClean="0"/>
+              <a:rPr lang="en-US"/>
               <a:t>Click to edit Master title style</a:t>
             </a:r>
-            <a:endParaRPr lang="en-US"/>
+            <a:endParaRPr lang="en-US" dirty="0"/>
           </a:p>
         </p:txBody>
       </p:sp>
@@ -2208,7 +2211,7 @@
         <p:nvSpPr>
           <p:cNvPr id="3" name="Picture Placeholder 2"/>
           <p:cNvSpPr>
-            <a:spLocks noGrp="1"/>
+            <a:spLocks noGrp="1" noChangeAspect="1"/>
           </p:cNvSpPr>
           <p:nvPr>
             <p:ph type="pic" idx="1"/>
@@ -2216,52 +2219,56 @@
         </p:nvSpPr>
         <p:spPr>
           <a:xfrm>
-            <a:off x="5183188" y="987425"/>
-            <a:ext cx="6172200" cy="4873625"/>
+            <a:off x="2915543" y="1426283"/>
+            <a:ext cx="3471863" cy="7039681"/>
           </a:xfrm>
         </p:spPr>
         <p:txBody>
-          <a:bodyPr/>
+          <a:bodyPr anchor="t"/>
           <a:lstStyle>
             <a:lvl1pPr marL="0" indent="0">
               <a:buNone/>
-              <a:defRPr sz="3200"/>
+              <a:defRPr sz="2400"/>
             </a:lvl1pPr>
-            <a:lvl2pPr marL="457200" indent="0">
-              <a:buNone/>
-              <a:defRPr sz="2800"/>
+            <a:lvl2pPr marL="342900" indent="0">
+              <a:buNone/>
+              <a:defRPr sz="2100"/>
             </a:lvl2pPr>
-            <a:lvl3pPr marL="914400" indent="0">
-              <a:buNone/>
-              <a:defRPr sz="2400"/>
+            <a:lvl3pPr marL="685800" indent="0">
+              <a:buNone/>
+              <a:defRPr sz="1800"/>
             </a:lvl3pPr>
-            <a:lvl4pPr marL="1371600" indent="0">
-              <a:buNone/>
-              <a:defRPr sz="2000"/>
+            <a:lvl4pPr marL="1028700" indent="0">
+              <a:buNone/>
+              <a:defRPr sz="1500"/>
             </a:lvl4pPr>
-            <a:lvl5pPr marL="1828800" indent="0">
-              <a:buNone/>
-              <a:defRPr sz="2000"/>
+            <a:lvl5pPr marL="1371600" indent="0">
+              <a:buNone/>
+              <a:defRPr sz="1500"/>
             </a:lvl5pPr>
-            <a:lvl6pPr marL="2286000" indent="0">
-              <a:buNone/>
-              <a:defRPr sz="2000"/>
+            <a:lvl6pPr marL="1714500" indent="0">
+              <a:buNone/>
+              <a:defRPr sz="1500"/>
             </a:lvl6pPr>
-            <a:lvl7pPr marL="2743200" indent="0">
-              <a:buNone/>
-              <a:defRPr sz="2000"/>
+            <a:lvl7pPr marL="2057400" indent="0">
+              <a:buNone/>
+              <a:defRPr sz="1500"/>
             </a:lvl7pPr>
-            <a:lvl8pPr marL="3200400" indent="0">
-              <a:buNone/>
-              <a:defRPr sz="2000"/>
+            <a:lvl8pPr marL="2400300" indent="0">
+              <a:buNone/>
+              <a:defRPr sz="1500"/>
             </a:lvl8pPr>
-            <a:lvl9pPr marL="3657600" indent="0">
-              <a:buNone/>
-              <a:defRPr sz="2000"/>
+            <a:lvl9pPr marL="2743200" indent="0">
+              <a:buNone/>
+              <a:defRPr sz="1500"/>
             </a:lvl9pPr>
           </a:lstStyle>
           <a:p>
-            <a:endParaRPr lang="en-US"/>
+            <a:r>
+              <a:rPr lang="en-US"/>
+              <a:t>Click icon to add picture</a:t>
+            </a:r>
+            <a:endParaRPr lang="en-US" dirty="0"/>
           </a:p>
         </p:txBody>
       </p:sp>
@@ -2277,8 +2284,8 @@
         </p:nvSpPr>
         <p:spPr>
           <a:xfrm>
-            <a:off x="839788" y="2057400"/>
-            <a:ext cx="3932237" cy="3811588"/>
+            <a:off x="472381" y="2971800"/>
+            <a:ext cx="2211884" cy="5505627"/>
           </a:xfrm>
         </p:spPr>
         <p:txBody>
@@ -2286,45 +2293,45 @@
           <a:lstStyle>
             <a:lvl1pPr marL="0" indent="0">
               <a:buNone/>
-              <a:defRPr sz="1600"/>
+              <a:defRPr sz="1200"/>
             </a:lvl1pPr>
-            <a:lvl2pPr marL="457200" indent="0">
-              <a:buNone/>
-              <a:defRPr sz="1400"/>
+            <a:lvl2pPr marL="342900" indent="0">
+              <a:buNone/>
+              <a:defRPr sz="1050"/>
             </a:lvl2pPr>
-            <a:lvl3pPr marL="914400" indent="0">
-              <a:buNone/>
-              <a:defRPr sz="1200"/>
+            <a:lvl3pPr marL="685800" indent="0">
+              <a:buNone/>
+              <a:defRPr sz="900"/>
             </a:lvl3pPr>
-            <a:lvl4pPr marL="1371600" indent="0">
-              <a:buNone/>
-              <a:defRPr sz="1000"/>
+            <a:lvl4pPr marL="1028700" indent="0">
+              <a:buNone/>
+              <a:defRPr sz="750"/>
             </a:lvl4pPr>
-            <a:lvl5pPr marL="1828800" indent="0">
-              <a:buNone/>
-              <a:defRPr sz="1000"/>
+            <a:lvl5pPr marL="1371600" indent="0">
+              <a:buNone/>
+              <a:defRPr sz="750"/>
             </a:lvl5pPr>
-            <a:lvl6pPr marL="2286000" indent="0">
-              <a:buNone/>
-              <a:defRPr sz="1000"/>
+            <a:lvl6pPr marL="1714500" indent="0">
+              <a:buNone/>
+              <a:defRPr sz="750"/>
             </a:lvl6pPr>
-            <a:lvl7pPr marL="2743200" indent="0">
-              <a:buNone/>
-              <a:defRPr sz="1000"/>
+            <a:lvl7pPr marL="2057400" indent="0">
+              <a:buNone/>
+              <a:defRPr sz="750"/>
             </a:lvl7pPr>
-            <a:lvl8pPr marL="3200400" indent="0">
-              <a:buNone/>
-              <a:defRPr sz="1000"/>
+            <a:lvl8pPr marL="2400300" indent="0">
+              <a:buNone/>
+              <a:defRPr sz="750"/>
             </a:lvl8pPr>
-            <a:lvl9pPr marL="3657600" indent="0">
-              <a:buNone/>
-              <a:defRPr sz="1000"/>
+            <a:lvl9pPr marL="2743200" indent="0">
+              <a:buNone/>
+              <a:defRPr sz="750"/>
             </a:lvl9pPr>
           </a:lstStyle>
           <a:p>
             <a:pPr lvl="0"/>
             <a:r>
-              <a:rPr lang="en-US" smtClean="0"/>
+              <a:rPr lang="en-US"/>
               <a:t>Click to edit Master text styles</a:t>
             </a:r>
           </a:p>
@@ -2347,7 +2354,7 @@
           <a:p>
             <a:fld id="{5770CE29-82AD-45B3-AEF2-6BA340DD0E58}" type="datetimeFigureOut">
               <a:rPr lang="en-US" smtClean="0"/>
-              <a:t>2/15/2024</a:t>
+              <a:t>2/29/2024</a:t>
             </a:fld>
             <a:endParaRPr lang="en-US"/>
           </a:p>
@@ -2398,7 +2405,7 @@
     </p:spTree>
     <p:extLst>
       <p:ext uri="{BB962C8B-B14F-4D97-AF65-F5344CB8AC3E}">
-        <p14:creationId xmlns:p14="http://schemas.microsoft.com/office/powerpoint/2010/main" val="761115082"/>
+        <p14:creationId xmlns:p14="http://schemas.microsoft.com/office/powerpoint/2010/main" val="385266398"/>
       </p:ext>
     </p:extLst>
   </p:cSld>
@@ -2442,8 +2449,8 @@
         </p:nvSpPr>
         <p:spPr>
           <a:xfrm>
-            <a:off x="838200" y="365125"/>
-            <a:ext cx="10515600" cy="1325563"/>
+            <a:off x="471488" y="527405"/>
+            <a:ext cx="5915025" cy="1914702"/>
           </a:xfrm>
           <a:prstGeom prst="rect">
             <a:avLst/>
@@ -2456,10 +2463,10 @@
           <a:lstStyle/>
           <a:p>
             <a:r>
-              <a:rPr lang="en-US" smtClean="0"/>
+              <a:rPr lang="en-US"/>
               <a:t>Click to edit Master title style</a:t>
             </a:r>
-            <a:endParaRPr lang="en-US"/>
+            <a:endParaRPr lang="en-US" dirty="0"/>
           </a:p>
         </p:txBody>
       </p:sp>
@@ -2475,8 +2482,8 @@
         </p:nvSpPr>
         <p:spPr>
           <a:xfrm>
-            <a:off x="838200" y="1825625"/>
-            <a:ext cx="10515600" cy="4351338"/>
+            <a:off x="471488" y="2637014"/>
+            <a:ext cx="5915025" cy="6285266"/>
           </a:xfrm>
           <a:prstGeom prst="rect">
             <a:avLst/>
@@ -2490,38 +2497,38 @@
           <a:p>
             <a:pPr lvl="0"/>
             <a:r>
-              <a:rPr lang="en-US" smtClean="0"/>
+              <a:rPr lang="en-US"/>
               <a:t>Click to edit Master text styles</a:t>
             </a:r>
           </a:p>
           <a:p>
             <a:pPr lvl="1"/>
             <a:r>
-              <a:rPr lang="en-US" smtClean="0"/>
+              <a:rPr lang="en-US"/>
               <a:t>Second level</a:t>
             </a:r>
           </a:p>
           <a:p>
             <a:pPr lvl="2"/>
             <a:r>
-              <a:rPr lang="en-US" smtClean="0"/>
+              <a:rPr lang="en-US"/>
               <a:t>Third level</a:t>
             </a:r>
           </a:p>
           <a:p>
             <a:pPr lvl="3"/>
             <a:r>
-              <a:rPr lang="en-US" smtClean="0"/>
+              <a:rPr lang="en-US"/>
               <a:t>Fourth level</a:t>
             </a:r>
           </a:p>
           <a:p>
             <a:pPr lvl="4"/>
             <a:r>
-              <a:rPr lang="en-US" smtClean="0"/>
+              <a:rPr lang="en-US"/>
               <a:t>Fifth level</a:t>
             </a:r>
-            <a:endParaRPr lang="en-US"/>
+            <a:endParaRPr lang="en-US" dirty="0"/>
           </a:p>
         </p:txBody>
       </p:sp>
@@ -2537,8 +2544,8 @@
         </p:nvSpPr>
         <p:spPr>
           <a:xfrm>
-            <a:off x="838200" y="6356350"/>
-            <a:ext cx="2743200" cy="365125"/>
+            <a:off x="471488" y="9181397"/>
+            <a:ext cx="1543050" cy="527403"/>
           </a:xfrm>
           <a:prstGeom prst="rect">
             <a:avLst/>
@@ -2548,7 +2555,7 @@
           <a:bodyPr vert="horz" lIns="91440" tIns="45720" rIns="91440" bIns="45720" rtlCol="0" anchor="ctr"/>
           <a:lstStyle>
             <a:lvl1pPr algn="l">
-              <a:defRPr sz="1200">
+              <a:defRPr sz="900">
                 <a:solidFill>
                   <a:schemeClr val="tx1">
                     <a:tint val="75000"/>
@@ -2560,7 +2567,7 @@
           <a:p>
             <a:fld id="{5770CE29-82AD-45B3-AEF2-6BA340DD0E58}" type="datetimeFigureOut">
               <a:rPr lang="en-US" smtClean="0"/>
-              <a:t>2/15/2024</a:t>
+              <a:t>2/29/2024</a:t>
             </a:fld>
             <a:endParaRPr lang="en-US"/>
           </a:p>
@@ -2578,8 +2585,8 @@
         </p:nvSpPr>
         <p:spPr>
           <a:xfrm>
-            <a:off x="4038600" y="6356350"/>
-            <a:ext cx="4114800" cy="365125"/>
+            <a:off x="2271713" y="9181397"/>
+            <a:ext cx="2314575" cy="527403"/>
           </a:xfrm>
           <a:prstGeom prst="rect">
             <a:avLst/>
@@ -2589,7 +2596,7 @@
           <a:bodyPr vert="horz" lIns="91440" tIns="45720" rIns="91440" bIns="45720" rtlCol="0" anchor="ctr"/>
           <a:lstStyle>
             <a:lvl1pPr algn="ctr">
-              <a:defRPr sz="1200">
+              <a:defRPr sz="900">
                 <a:solidFill>
                   <a:schemeClr val="tx1">
                     <a:tint val="75000"/>
@@ -2615,8 +2622,8 @@
         </p:nvSpPr>
         <p:spPr>
           <a:xfrm>
-            <a:off x="8610600" y="6356350"/>
-            <a:ext cx="2743200" cy="365125"/>
+            <a:off x="4843463" y="9181397"/>
+            <a:ext cx="1543050" cy="527403"/>
           </a:xfrm>
           <a:prstGeom prst="rect">
             <a:avLst/>
@@ -2626,7 +2633,7 @@
           <a:bodyPr vert="horz" lIns="91440" tIns="45720" rIns="91440" bIns="45720" rtlCol="0" anchor="ctr"/>
           <a:lstStyle>
             <a:lvl1pPr algn="r">
-              <a:defRPr sz="1200">
+              <a:defRPr sz="900">
                 <a:solidFill>
                   <a:schemeClr val="tx1">
                     <a:tint val="75000"/>
@@ -2647,27 +2654,27 @@
     </p:spTree>
     <p:extLst>
       <p:ext uri="{BB962C8B-B14F-4D97-AF65-F5344CB8AC3E}">
-        <p14:creationId xmlns:p14="http://schemas.microsoft.com/office/powerpoint/2010/main" val="3767205490"/>
+        <p14:creationId xmlns:p14="http://schemas.microsoft.com/office/powerpoint/2010/main" val="2345734479"/>
       </p:ext>
     </p:extLst>
   </p:cSld>
   <p:clrMap bg1="lt1" tx1="dk1" bg2="lt2" tx2="dk2" accent1="accent1" accent2="accent2" accent3="accent3" accent4="accent4" accent5="accent5" accent6="accent6" hlink="hlink" folHlink="folHlink"/>
   <p:sldLayoutIdLst>
-    <p:sldLayoutId id="2147483649" r:id="rId1"/>
-    <p:sldLayoutId id="2147483650" r:id="rId2"/>
-    <p:sldLayoutId id="2147483651" r:id="rId3"/>
-    <p:sldLayoutId id="2147483652" r:id="rId4"/>
-    <p:sldLayoutId id="2147483653" r:id="rId5"/>
-    <p:sldLayoutId id="2147483654" r:id="rId6"/>
-    <p:sldLayoutId id="2147483655" r:id="rId7"/>
-    <p:sldLayoutId id="2147483656" r:id="rId8"/>
-    <p:sldLayoutId id="2147483657" r:id="rId9"/>
-    <p:sldLayoutId id="2147483658" r:id="rId10"/>
-    <p:sldLayoutId id="2147483659" r:id="rId11"/>
+    <p:sldLayoutId id="2147483661" r:id="rId1"/>
+    <p:sldLayoutId id="2147483662" r:id="rId2"/>
+    <p:sldLayoutId id="2147483663" r:id="rId3"/>
+    <p:sldLayoutId id="2147483664" r:id="rId4"/>
+    <p:sldLayoutId id="2147483665" r:id="rId5"/>
+    <p:sldLayoutId id="2147483666" r:id="rId6"/>
+    <p:sldLayoutId id="2147483667" r:id="rId7"/>
+    <p:sldLayoutId id="2147483668" r:id="rId8"/>
+    <p:sldLayoutId id="2147483669" r:id="rId9"/>
+    <p:sldLayoutId id="2147483670" r:id="rId10"/>
+    <p:sldLayoutId id="2147483671" r:id="rId11"/>
   </p:sldLayoutIdLst>
   <p:txStyles>
     <p:titleStyle>
-      <a:lvl1pPr algn="l" defTabSz="914400" rtl="0" eaLnBrk="1" latinLnBrk="0" hangingPunct="1">
+      <a:lvl1pPr algn="l" defTabSz="685800" rtl="0" eaLnBrk="1" latinLnBrk="0" hangingPunct="1">
         <a:lnSpc>
           <a:spcPct val="90000"/>
         </a:lnSpc>
@@ -2675,7 +2682,7 @@
           <a:spcPct val="0"/>
         </a:spcBef>
         <a:buNone/>
-        <a:defRPr sz="4400" kern="1200">
+        <a:defRPr sz="3300" kern="1200">
           <a:solidFill>
             <a:schemeClr val="tx1"/>
           </a:solidFill>
@@ -2686,16 +2693,16 @@
       </a:lvl1pPr>
     </p:titleStyle>
     <p:bodyStyle>
-      <a:lvl1pPr marL="228600" indent="-228600" algn="l" defTabSz="914400" rtl="0" eaLnBrk="1" latinLnBrk="0" hangingPunct="1">
+      <a:lvl1pPr marL="171450" indent="-171450" algn="l" defTabSz="685800" rtl="0" eaLnBrk="1" latinLnBrk="0" hangingPunct="1">
         <a:lnSpc>
           <a:spcPct val="90000"/>
         </a:lnSpc>
         <a:spcBef>
-          <a:spcPts val="1000"/>
+          <a:spcPts val="750"/>
         </a:spcBef>
         <a:buFont typeface="Arial" panose="020B0604020202020204" pitchFamily="34" charset="0"/>
         <a:buChar char="•"/>
-        <a:defRPr sz="2800" kern="1200">
+        <a:defRPr sz="2100" kern="1200">
           <a:solidFill>
             <a:schemeClr val="tx1"/>
           </a:solidFill>
@@ -2704,48 +2711,12 @@
           <a:cs typeface="+mn-cs"/>
         </a:defRPr>
       </a:lvl1pPr>
-      <a:lvl2pPr marL="685800" indent="-228600" algn="l" defTabSz="914400" rtl="0" eaLnBrk="1" latinLnBrk="0" hangingPunct="1">
+      <a:lvl2pPr marL="514350" indent="-171450" algn="l" defTabSz="685800" rtl="0" eaLnBrk="1" latinLnBrk="0" hangingPunct="1">
         <a:lnSpc>
           <a:spcPct val="90000"/>
         </a:lnSpc>
         <a:spcBef>
-          <a:spcPts val="500"/>
-        </a:spcBef>
-        <a:buFont typeface="Arial" panose="020B0604020202020204" pitchFamily="34" charset="0"/>
-        <a:buChar char="•"/>
-        <a:defRPr sz="2400" kern="1200">
-          <a:solidFill>
-            <a:schemeClr val="tx1"/>
-          </a:solidFill>
-          <a:latin typeface="+mn-lt"/>
-          <a:ea typeface="+mn-ea"/>
-          <a:cs typeface="+mn-cs"/>
-        </a:defRPr>
-      </a:lvl2pPr>
-      <a:lvl3pPr marL="1143000" indent="-228600" algn="l" defTabSz="914400" rtl="0" eaLnBrk="1" latinLnBrk="0" hangingPunct="1">
-        <a:lnSpc>
-          <a:spcPct val="90000"/>
-        </a:lnSpc>
-        <a:spcBef>
-          <a:spcPts val="500"/>
-        </a:spcBef>
-        <a:buFont typeface="Arial" panose="020B0604020202020204" pitchFamily="34" charset="0"/>
-        <a:buChar char="•"/>
-        <a:defRPr sz="2000" kern="1200">
-          <a:solidFill>
-            <a:schemeClr val="tx1"/>
-          </a:solidFill>
-          <a:latin typeface="+mn-lt"/>
-          <a:ea typeface="+mn-ea"/>
-          <a:cs typeface="+mn-cs"/>
-        </a:defRPr>
-      </a:lvl3pPr>
-      <a:lvl4pPr marL="1600200" indent="-228600" algn="l" defTabSz="914400" rtl="0" eaLnBrk="1" latinLnBrk="0" hangingPunct="1">
-        <a:lnSpc>
-          <a:spcPct val="90000"/>
-        </a:lnSpc>
-        <a:spcBef>
-          <a:spcPts val="500"/>
+          <a:spcPts val="375"/>
         </a:spcBef>
         <a:buFont typeface="Arial" panose="020B0604020202020204" pitchFamily="34" charset="0"/>
         <a:buChar char="•"/>
@@ -2757,17 +2728,53 @@
           <a:ea typeface="+mn-ea"/>
           <a:cs typeface="+mn-cs"/>
         </a:defRPr>
-      </a:lvl4pPr>
-      <a:lvl5pPr marL="2057400" indent="-228600" algn="l" defTabSz="914400" rtl="0" eaLnBrk="1" latinLnBrk="0" hangingPunct="1">
+      </a:lvl2pPr>
+      <a:lvl3pPr marL="857250" indent="-171450" algn="l" defTabSz="685800" rtl="0" eaLnBrk="1" latinLnBrk="0" hangingPunct="1">
         <a:lnSpc>
           <a:spcPct val="90000"/>
         </a:lnSpc>
         <a:spcBef>
-          <a:spcPts val="500"/>
+          <a:spcPts val="375"/>
         </a:spcBef>
         <a:buFont typeface="Arial" panose="020B0604020202020204" pitchFamily="34" charset="0"/>
         <a:buChar char="•"/>
-        <a:defRPr sz="1800" kern="1200">
+        <a:defRPr sz="1500" kern="1200">
+          <a:solidFill>
+            <a:schemeClr val="tx1"/>
+          </a:solidFill>
+          <a:latin typeface="+mn-lt"/>
+          <a:ea typeface="+mn-ea"/>
+          <a:cs typeface="+mn-cs"/>
+        </a:defRPr>
+      </a:lvl3pPr>
+      <a:lvl4pPr marL="1200150" indent="-171450" algn="l" defTabSz="685800" rtl="0" eaLnBrk="1" latinLnBrk="0" hangingPunct="1">
+        <a:lnSpc>
+          <a:spcPct val="90000"/>
+        </a:lnSpc>
+        <a:spcBef>
+          <a:spcPts val="375"/>
+        </a:spcBef>
+        <a:buFont typeface="Arial" panose="020B0604020202020204" pitchFamily="34" charset="0"/>
+        <a:buChar char="•"/>
+        <a:defRPr sz="1350" kern="1200">
+          <a:solidFill>
+            <a:schemeClr val="tx1"/>
+          </a:solidFill>
+          <a:latin typeface="+mn-lt"/>
+          <a:ea typeface="+mn-ea"/>
+          <a:cs typeface="+mn-cs"/>
+        </a:defRPr>
+      </a:lvl4pPr>
+      <a:lvl5pPr marL="1543050" indent="-171450" algn="l" defTabSz="685800" rtl="0" eaLnBrk="1" latinLnBrk="0" hangingPunct="1">
+        <a:lnSpc>
+          <a:spcPct val="90000"/>
+        </a:lnSpc>
+        <a:spcBef>
+          <a:spcPts val="375"/>
+        </a:spcBef>
+        <a:buFont typeface="Arial" panose="020B0604020202020204" pitchFamily="34" charset="0"/>
+        <a:buChar char="•"/>
+        <a:defRPr sz="1350" kern="1200">
           <a:solidFill>
             <a:schemeClr val="tx1"/>
           </a:solidFill>
@@ -2776,16 +2783,16 @@
           <a:cs typeface="+mn-cs"/>
         </a:defRPr>
       </a:lvl5pPr>
-      <a:lvl6pPr marL="2514600" indent="-228600" algn="l" defTabSz="914400" rtl="0" eaLnBrk="1" latinLnBrk="0" hangingPunct="1">
+      <a:lvl6pPr marL="1885950" indent="-171450" algn="l" defTabSz="685800" rtl="0" eaLnBrk="1" latinLnBrk="0" hangingPunct="1">
         <a:lnSpc>
           <a:spcPct val="90000"/>
         </a:lnSpc>
         <a:spcBef>
-          <a:spcPts val="500"/>
+          <a:spcPts val="375"/>
         </a:spcBef>
         <a:buFont typeface="Arial" panose="020B0604020202020204" pitchFamily="34" charset="0"/>
         <a:buChar char="•"/>
-        <a:defRPr sz="1800" kern="1200">
+        <a:defRPr sz="1350" kern="1200">
           <a:solidFill>
             <a:schemeClr val="tx1"/>
           </a:solidFill>
@@ -2794,16 +2801,16 @@
           <a:cs typeface="+mn-cs"/>
         </a:defRPr>
       </a:lvl6pPr>
-      <a:lvl7pPr marL="2971800" indent="-228600" algn="l" defTabSz="914400" rtl="0" eaLnBrk="1" latinLnBrk="0" hangingPunct="1">
+      <a:lvl7pPr marL="2228850" indent="-171450" algn="l" defTabSz="685800" rtl="0" eaLnBrk="1" latinLnBrk="0" hangingPunct="1">
         <a:lnSpc>
           <a:spcPct val="90000"/>
         </a:lnSpc>
         <a:spcBef>
-          <a:spcPts val="500"/>
+          <a:spcPts val="375"/>
         </a:spcBef>
         <a:buFont typeface="Arial" panose="020B0604020202020204" pitchFamily="34" charset="0"/>
         <a:buChar char="•"/>
-        <a:defRPr sz="1800" kern="1200">
+        <a:defRPr sz="1350" kern="1200">
           <a:solidFill>
             <a:schemeClr val="tx1"/>
           </a:solidFill>
@@ -2812,16 +2819,16 @@
           <a:cs typeface="+mn-cs"/>
         </a:defRPr>
       </a:lvl7pPr>
-      <a:lvl8pPr marL="3429000" indent="-228600" algn="l" defTabSz="914400" rtl="0" eaLnBrk="1" latinLnBrk="0" hangingPunct="1">
+      <a:lvl8pPr marL="2571750" indent="-171450" algn="l" defTabSz="685800" rtl="0" eaLnBrk="1" latinLnBrk="0" hangingPunct="1">
         <a:lnSpc>
           <a:spcPct val="90000"/>
         </a:lnSpc>
         <a:spcBef>
-          <a:spcPts val="500"/>
+          <a:spcPts val="375"/>
         </a:spcBef>
         <a:buFont typeface="Arial" panose="020B0604020202020204" pitchFamily="34" charset="0"/>
         <a:buChar char="•"/>
-        <a:defRPr sz="1800" kern="1200">
+        <a:defRPr sz="1350" kern="1200">
           <a:solidFill>
             <a:schemeClr val="tx1"/>
           </a:solidFill>
@@ -2830,16 +2837,16 @@
           <a:cs typeface="+mn-cs"/>
         </a:defRPr>
       </a:lvl8pPr>
-      <a:lvl9pPr marL="3886200" indent="-228600" algn="l" defTabSz="914400" rtl="0" eaLnBrk="1" latinLnBrk="0" hangingPunct="1">
+      <a:lvl9pPr marL="2914650" indent="-171450" algn="l" defTabSz="685800" rtl="0" eaLnBrk="1" latinLnBrk="0" hangingPunct="1">
         <a:lnSpc>
           <a:spcPct val="90000"/>
         </a:lnSpc>
         <a:spcBef>
-          <a:spcPts val="500"/>
+          <a:spcPts val="375"/>
         </a:spcBef>
         <a:buFont typeface="Arial" panose="020B0604020202020204" pitchFamily="34" charset="0"/>
         <a:buChar char="•"/>
-        <a:defRPr sz="1800" kern="1200">
+        <a:defRPr sz="1350" kern="1200">
           <a:solidFill>
             <a:schemeClr val="tx1"/>
           </a:solidFill>
@@ -2853,8 +2860,8 @@
       <a:defPPr>
         <a:defRPr lang="en-US"/>
       </a:defPPr>
-      <a:lvl1pPr marL="0" algn="l" defTabSz="914400" rtl="0" eaLnBrk="1" latinLnBrk="0" hangingPunct="1">
-        <a:defRPr sz="1800" kern="1200">
+      <a:lvl1pPr marL="0" algn="l" defTabSz="685800" rtl="0" eaLnBrk="1" latinLnBrk="0" hangingPunct="1">
+        <a:defRPr sz="1350" kern="1200">
           <a:solidFill>
             <a:schemeClr val="tx1"/>
           </a:solidFill>
@@ -2863,8 +2870,8 @@
           <a:cs typeface="+mn-cs"/>
         </a:defRPr>
       </a:lvl1pPr>
-      <a:lvl2pPr marL="457200" algn="l" defTabSz="914400" rtl="0" eaLnBrk="1" latinLnBrk="0" hangingPunct="1">
-        <a:defRPr sz="1800" kern="1200">
+      <a:lvl2pPr marL="342900" algn="l" defTabSz="685800" rtl="0" eaLnBrk="1" latinLnBrk="0" hangingPunct="1">
+        <a:defRPr sz="1350" kern="1200">
           <a:solidFill>
             <a:schemeClr val="tx1"/>
           </a:solidFill>
@@ -2873,8 +2880,8 @@
           <a:cs typeface="+mn-cs"/>
         </a:defRPr>
       </a:lvl2pPr>
-      <a:lvl3pPr marL="914400" algn="l" defTabSz="914400" rtl="0" eaLnBrk="1" latinLnBrk="0" hangingPunct="1">
-        <a:defRPr sz="1800" kern="1200">
+      <a:lvl3pPr marL="685800" algn="l" defTabSz="685800" rtl="0" eaLnBrk="1" latinLnBrk="0" hangingPunct="1">
+        <a:defRPr sz="1350" kern="1200">
           <a:solidFill>
             <a:schemeClr val="tx1"/>
           </a:solidFill>
@@ -2883,8 +2890,8 @@
           <a:cs typeface="+mn-cs"/>
         </a:defRPr>
       </a:lvl3pPr>
-      <a:lvl4pPr marL="1371600" algn="l" defTabSz="914400" rtl="0" eaLnBrk="1" latinLnBrk="0" hangingPunct="1">
-        <a:defRPr sz="1800" kern="1200">
+      <a:lvl4pPr marL="1028700" algn="l" defTabSz="685800" rtl="0" eaLnBrk="1" latinLnBrk="0" hangingPunct="1">
+        <a:defRPr sz="1350" kern="1200">
           <a:solidFill>
             <a:schemeClr val="tx1"/>
           </a:solidFill>
@@ -2893,8 +2900,8 @@
           <a:cs typeface="+mn-cs"/>
         </a:defRPr>
       </a:lvl4pPr>
-      <a:lvl5pPr marL="1828800" algn="l" defTabSz="914400" rtl="0" eaLnBrk="1" latinLnBrk="0" hangingPunct="1">
-        <a:defRPr sz="1800" kern="1200">
+      <a:lvl5pPr marL="1371600" algn="l" defTabSz="685800" rtl="0" eaLnBrk="1" latinLnBrk="0" hangingPunct="1">
+        <a:defRPr sz="1350" kern="1200">
           <a:solidFill>
             <a:schemeClr val="tx1"/>
           </a:solidFill>
@@ -2903,8 +2910,8 @@
           <a:cs typeface="+mn-cs"/>
         </a:defRPr>
       </a:lvl5pPr>
-      <a:lvl6pPr marL="2286000" algn="l" defTabSz="914400" rtl="0" eaLnBrk="1" latinLnBrk="0" hangingPunct="1">
-        <a:defRPr sz="1800" kern="1200">
+      <a:lvl6pPr marL="1714500" algn="l" defTabSz="685800" rtl="0" eaLnBrk="1" latinLnBrk="0" hangingPunct="1">
+        <a:defRPr sz="1350" kern="1200">
           <a:solidFill>
             <a:schemeClr val="tx1"/>
           </a:solidFill>
@@ -2913,8 +2920,8 @@
           <a:cs typeface="+mn-cs"/>
         </a:defRPr>
       </a:lvl6pPr>
-      <a:lvl7pPr marL="2743200" algn="l" defTabSz="914400" rtl="0" eaLnBrk="1" latinLnBrk="0" hangingPunct="1">
-        <a:defRPr sz="1800" kern="1200">
+      <a:lvl7pPr marL="2057400" algn="l" defTabSz="685800" rtl="0" eaLnBrk="1" latinLnBrk="0" hangingPunct="1">
+        <a:defRPr sz="1350" kern="1200">
           <a:solidFill>
             <a:schemeClr val="tx1"/>
           </a:solidFill>
@@ -2923,8 +2930,8 @@
           <a:cs typeface="+mn-cs"/>
         </a:defRPr>
       </a:lvl7pPr>
-      <a:lvl8pPr marL="3200400" algn="l" defTabSz="914400" rtl="0" eaLnBrk="1" latinLnBrk="0" hangingPunct="1">
-        <a:defRPr sz="1800" kern="1200">
+      <a:lvl8pPr marL="2400300" algn="l" defTabSz="685800" rtl="0" eaLnBrk="1" latinLnBrk="0" hangingPunct="1">
+        <a:defRPr sz="1350" kern="1200">
           <a:solidFill>
             <a:schemeClr val="tx1"/>
           </a:solidFill>
@@ -2933,8 +2940,8 @@
           <a:cs typeface="+mn-cs"/>
         </a:defRPr>
       </a:lvl8pPr>
-      <a:lvl9pPr marL="3657600" algn="l" defTabSz="914400" rtl="0" eaLnBrk="1" latinLnBrk="0" hangingPunct="1">
-        <a:defRPr sz="1800" kern="1200">
+      <a:lvl9pPr marL="2743200" algn="l" defTabSz="685800" rtl="0" eaLnBrk="1" latinLnBrk="0" hangingPunct="1">
+        <a:defRPr sz="1350" kern="1200">
           <a:solidFill>
             <a:schemeClr val="tx1"/>
           </a:solidFill>
@@ -2973,8 +2980,8 @@
         </p:nvSpPr>
         <p:spPr>
           <a:xfrm>
-            <a:off x="721218" y="1142310"/>
-            <a:ext cx="10625072" cy="646331"/>
+            <a:off x="405686" y="3666737"/>
+            <a:ext cx="5976603" cy="404085"/>
           </a:xfrm>
           <a:prstGeom prst="rect">
             <a:avLst/>
@@ -2988,10 +2995,9 @@
           <a:lstStyle/>
           <a:p>
             <a:r>
-              <a:rPr lang="en-US" dirty="0" smtClean="0"/>
+              <a:rPr lang="en-US" sz="1013" dirty="0"/>
               <a:t>I am currently a CSE undergraduate in Khulna University of Engineering and Technology. I am very enthusiastic about solving problem and enjoy to learn new things which made me think.</a:t>
             </a:r>
-            <a:endParaRPr lang="en-US" dirty="0"/>
           </a:p>
         </p:txBody>
       </p:sp>
@@ -3003,8 +3009,8 @@
         </p:nvSpPr>
         <p:spPr>
           <a:xfrm>
-            <a:off x="721218" y="-58019"/>
-            <a:ext cx="4378817" cy="1200329"/>
+            <a:off x="405686" y="2991552"/>
+            <a:ext cx="2463085" cy="559961"/>
           </a:xfrm>
           <a:prstGeom prst="rect">
             <a:avLst/>
@@ -3018,42 +3024,41 @@
           <a:lstStyle/>
           <a:p>
             <a:r>
-              <a:rPr lang="en-US" sz="3600" dirty="0" smtClean="0"/>
+              <a:rPr lang="en-US" sz="1013" dirty="0"/>
               <a:t>S M </a:t>
             </a:r>
             <a:r>
-              <a:rPr lang="en-US" sz="3600" dirty="0" err="1" smtClean="0"/>
+              <a:rPr lang="en-US" sz="1013" dirty="0" err="1"/>
               <a:t>Zobayer</a:t>
             </a:r>
             <a:r>
-              <a:rPr lang="en-US" sz="3600" dirty="0" smtClean="0"/>
+              <a:rPr lang="en-US" sz="1013" dirty="0"/>
               <a:t> </a:t>
             </a:r>
             <a:r>
-              <a:rPr lang="en-US" sz="3600" dirty="0" err="1" smtClean="0"/>
+              <a:rPr lang="en-US" sz="1013" dirty="0" err="1"/>
               <a:t>Abedin</a:t>
             </a:r>
-            <a:endParaRPr lang="en-US" sz="3600" dirty="0" smtClean="0"/>
-          </a:p>
-          <a:p>
-            <a:r>
-              <a:rPr lang="en-US" dirty="0" smtClean="0"/>
+            <a:endParaRPr lang="en-US" sz="1013" dirty="0"/>
+          </a:p>
+          <a:p>
+            <a:r>
+              <a:rPr lang="en-US" sz="1013" dirty="0"/>
               <a:t>E-mail: </a:t>
             </a:r>
             <a:r>
-              <a:rPr lang="en-US" dirty="0" smtClean="0">
+              <a:rPr lang="en-US" sz="1013" dirty="0">
                 <a:hlinkClick r:id="rId2"/>
               </a:rPr>
               <a:t>zobayerabedin@gmail.com</a:t>
             </a:r>
-            <a:endParaRPr lang="en-US" dirty="0" smtClean="0"/>
-          </a:p>
-          <a:p>
-            <a:r>
-              <a:rPr lang="en-US" dirty="0" smtClean="0"/>
+            <a:endParaRPr lang="en-US" sz="1013" dirty="0"/>
+          </a:p>
+          <a:p>
+            <a:r>
+              <a:rPr lang="en-US" sz="1013" dirty="0"/>
               <a:t>Contact No : 01633193674</a:t>
             </a:r>
-            <a:endParaRPr lang="en-US" dirty="0"/>
           </a:p>
         </p:txBody>
       </p:sp>
@@ -3065,8 +3070,8 @@
         </p:nvSpPr>
         <p:spPr>
           <a:xfrm>
-            <a:off x="721218" y="2270776"/>
-            <a:ext cx="2575774" cy="584775"/>
+            <a:off x="405686" y="4301499"/>
+            <a:ext cx="1448873" cy="369332"/>
           </a:xfrm>
           <a:prstGeom prst="rect">
             <a:avLst/>
@@ -3080,14 +3085,13 @@
           <a:lstStyle/>
           <a:p>
             <a:r>
-              <a:rPr lang="en-US" sz="3200" dirty="0" smtClean="0"/>
+              <a:rPr lang="en-US" dirty="0"/>
               <a:t>Experience</a:t>
             </a:r>
             <a:r>
-              <a:rPr lang="en-US" dirty="0" smtClean="0"/>
+              <a:rPr lang="en-US" sz="1013" dirty="0"/>
               <a:t>:</a:t>
             </a:r>
-            <a:endParaRPr lang="en-US" dirty="0"/>
           </a:p>
         </p:txBody>
       </p:sp>
@@ -3099,8 +3103,8 @@
         </p:nvSpPr>
         <p:spPr>
           <a:xfrm>
-            <a:off x="837127" y="2855551"/>
-            <a:ext cx="7044744" cy="1477328"/>
+            <a:off x="470885" y="4630436"/>
+            <a:ext cx="3962669" cy="871457"/>
           </a:xfrm>
           <a:prstGeom prst="rect">
             <a:avLst/>
@@ -3113,50 +3117,41 @@
           </a:bodyPr>
           <a:lstStyle/>
           <a:p>
-            <a:pPr marL="457200" indent="-457200">
+            <a:pPr marL="257178" indent="-257178">
               <a:buFont typeface="Calibri" panose="020F0502020204030204" pitchFamily="34" charset="0"/>
               <a:buChar char="•"/>
             </a:pPr>
             <a:r>
-              <a:rPr lang="en-US" sz="2800" dirty="0" err="1" smtClean="0"/>
+              <a:rPr lang="en-US" sz="1575" dirty="0" err="1"/>
               <a:t>CodeChef</a:t>
             </a:r>
-            <a:r>
-              <a:rPr lang="en-US" sz="2800" dirty="0" smtClean="0"/>
-              <a:t/>
-            </a:r>
             <a:br>
-              <a:rPr lang="en-US" sz="2800" dirty="0" smtClean="0"/>
+              <a:rPr lang="en-US" sz="1575" dirty="0"/>
             </a:br>
             <a:r>
-              <a:rPr lang="en-US" sz="2400" dirty="0" smtClean="0"/>
+              <a:rPr lang="en-US" sz="1350" dirty="0"/>
               <a:t>Problems setter, Judge</a:t>
             </a:r>
           </a:p>
           <a:p>
             <a:r>
-              <a:rPr lang="en-US" sz="2000" dirty="0"/>
-              <a:t> </a:t>
-            </a:r>
-            <a:r>
-              <a:rPr lang="en-US" sz="2000" dirty="0" smtClean="0"/>
-              <a:t>       January 2023 – February 2023(1 month)</a:t>
-            </a:r>
-          </a:p>
-          <a:p>
-            <a:r>
-              <a:rPr lang="en-US" dirty="0" smtClean="0"/>
+              <a:rPr lang="en-US" sz="1125" dirty="0"/>
+              <a:t>        January 2023 – February 2023(1 month)</a:t>
+            </a:r>
+          </a:p>
+          <a:p>
+            <a:r>
+              <a:rPr lang="en-US" sz="1013" dirty="0"/>
               <a:t>         One of the problem Setter in </a:t>
             </a:r>
             <a:r>
-              <a:rPr lang="en-US" dirty="0" err="1" smtClean="0"/>
+              <a:rPr lang="en-US" sz="1013" dirty="0" err="1"/>
               <a:t>CodeChef</a:t>
             </a:r>
             <a:r>
-              <a:rPr lang="en-US" dirty="0" smtClean="0"/>
+              <a:rPr lang="en-US" sz="1013" dirty="0"/>
               <a:t> Starter 73</a:t>
             </a:r>
-            <a:endParaRPr lang="en-US" dirty="0"/>
           </a:p>
         </p:txBody>
       </p:sp>
@@ -3168,8 +3163,8 @@
         </p:nvCxnSpPr>
         <p:spPr>
           <a:xfrm flipV="1">
-            <a:off x="837127" y="2073478"/>
-            <a:ext cx="1841679" cy="21"/>
+            <a:off x="470884" y="4190519"/>
+            <a:ext cx="1035944" cy="12"/>
           </a:xfrm>
           <a:prstGeom prst="line">
             <a:avLst/>
@@ -3203,8 +3198,8 @@
         </p:nvSpPr>
         <p:spPr>
           <a:xfrm>
-            <a:off x="837126" y="4445681"/>
-            <a:ext cx="11024315" cy="2185214"/>
+            <a:off x="470885" y="5524883"/>
+            <a:ext cx="6201177" cy="1269578"/>
           </a:xfrm>
           <a:prstGeom prst="rect">
             <a:avLst/>
@@ -3217,68 +3212,55 @@
           </a:bodyPr>
           <a:lstStyle/>
           <a:p>
-            <a:pPr marL="457200" indent="-457200">
+            <a:pPr marL="257178" indent="-257178">
               <a:buFont typeface="Calibri" panose="020F0502020204030204" pitchFamily="34" charset="0"/>
               <a:buChar char="•"/>
             </a:pPr>
             <a:r>
-              <a:rPr lang="en-US" sz="2800" dirty="0" smtClean="0"/>
-              <a:t>Special Group Interested in Programming Contest(SGIPC)</a:t>
-            </a:r>
-            <a:r>
-              <a:rPr lang="en-US" sz="2800" dirty="0" smtClean="0"/>
-              <a:t>	</a:t>
+              <a:rPr lang="en-US" sz="1575" dirty="0"/>
+              <a:t>Special Group Interested in Programming Contest(SGIPC)	</a:t>
             </a:r>
             <a:br>
-              <a:rPr lang="en-US" sz="2800" dirty="0" smtClean="0"/>
+              <a:rPr lang="en-US" sz="1575" dirty="0"/>
             </a:br>
             <a:r>
-              <a:rPr lang="en-US" sz="2400" dirty="0" smtClean="0"/>
+              <a:rPr lang="en-US" sz="1350" dirty="0"/>
               <a:t>Batch Representative(19</a:t>
             </a:r>
             <a:r>
-              <a:rPr lang="en-US" sz="2400" baseline="30000" dirty="0" smtClean="0"/>
+              <a:rPr lang="en-US" sz="1350" baseline="30000" dirty="0"/>
               <a:t>th</a:t>
             </a:r>
             <a:r>
-              <a:rPr lang="en-US" sz="2400" dirty="0" smtClean="0"/>
+              <a:rPr lang="en-US" sz="1350" dirty="0"/>
               <a:t> batch)</a:t>
             </a:r>
           </a:p>
           <a:p>
             <a:r>
-              <a:rPr lang="en-US" sz="2000" dirty="0"/>
-              <a:t> </a:t>
-            </a:r>
-            <a:r>
-              <a:rPr lang="en-US" sz="2000" dirty="0" smtClean="0"/>
-              <a:t>       February 2023 – Current</a:t>
-            </a:r>
-            <a:endParaRPr lang="en-US" sz="2000" dirty="0"/>
-          </a:p>
-          <a:p>
-            <a:r>
-              <a:rPr lang="en-US" sz="2000" dirty="0"/>
-              <a:t> </a:t>
-            </a:r>
-            <a:r>
-              <a:rPr lang="en-US" sz="2000" dirty="0" smtClean="0"/>
-              <a:t>       </a:t>
-            </a:r>
-          </a:p>
-          <a:p>
-            <a:r>
-              <a:rPr lang="en-US" sz="2000" dirty="0" smtClean="0"/>
+              <a:rPr lang="en-US" sz="1125" dirty="0"/>
+              <a:t>        February 2023 – Current</a:t>
+            </a:r>
+          </a:p>
+          <a:p>
+            <a:r>
+              <a:rPr lang="en-US" sz="1125" dirty="0"/>
               <a:t>        </a:t>
             </a:r>
-            <a:r>
-              <a:rPr lang="en-US" sz="2400" dirty="0" smtClean="0"/>
+          </a:p>
+          <a:p>
+            <a:r>
+              <a:rPr lang="en-US" sz="1125" dirty="0"/>
+              <a:t>        </a:t>
+            </a:r>
+            <a:r>
+              <a:rPr lang="en-US" sz="1350" dirty="0"/>
               <a:t>Assistant Contest Manager</a:t>
             </a:r>
           </a:p>
           <a:p>
             <a:r>
-              <a:rPr lang="en-US" sz="2000" dirty="0" smtClean="0"/>
+              <a:rPr lang="en-US" sz="1125" dirty="0"/>
               <a:t>        February 2022 – January 2023(1 year)</a:t>
             </a:r>
           </a:p>
@@ -3294,13 +3276,6 @@
   <p:clrMapOvr>
     <a:masterClrMapping/>
   </p:clrMapOvr>
-  <p:timing>
-    <p:tnLst>
-      <p:par>
-        <p:cTn id="1" dur="indefinite" restart="never" nodeType="tmRoot"/>
-      </p:par>
-    </p:tnLst>
-  </p:timing>
 </p:sld>
 </file>
 
@@ -3329,8 +3304,8 @@
         </p:nvSpPr>
         <p:spPr>
           <a:xfrm>
-            <a:off x="430273" y="469685"/>
-            <a:ext cx="2575774" cy="584775"/>
+            <a:off x="242030" y="3288385"/>
+            <a:ext cx="1448873" cy="369332"/>
           </a:xfrm>
           <a:prstGeom prst="rect">
             <a:avLst/>
@@ -3344,14 +3319,13 @@
           <a:lstStyle/>
           <a:p>
             <a:r>
-              <a:rPr lang="en-US" sz="3200" dirty="0" smtClean="0"/>
+              <a:rPr lang="en-US" dirty="0"/>
               <a:t>Education</a:t>
             </a:r>
             <a:r>
-              <a:rPr lang="en-US" dirty="0" smtClean="0"/>
+              <a:rPr lang="en-US" sz="1013" dirty="0"/>
               <a:t>:</a:t>
             </a:r>
-            <a:endParaRPr lang="en-US" dirty="0"/>
           </a:p>
         </p:txBody>
       </p:sp>
@@ -3363,8 +3337,8 @@
         </p:nvSpPr>
         <p:spPr>
           <a:xfrm>
-            <a:off x="546181" y="1054460"/>
-            <a:ext cx="11174763" cy="1384995"/>
+            <a:off x="307227" y="3617323"/>
+            <a:ext cx="6285804" cy="819455"/>
           </a:xfrm>
           <a:prstGeom prst="rect">
             <a:avLst/>
@@ -3377,33 +3351,29 @@
           </a:bodyPr>
           <a:lstStyle/>
           <a:p>
-            <a:pPr marL="457200" indent="-457200">
+            <a:pPr marL="257178" indent="-257178">
               <a:buFont typeface="Calibri" panose="020F0502020204030204" pitchFamily="34" charset="0"/>
               <a:buChar char="•"/>
             </a:pPr>
             <a:r>
-              <a:rPr lang="en-US" sz="2800" dirty="0" smtClean="0"/>
+              <a:rPr lang="en-US" sz="1575" dirty="0"/>
               <a:t>Khulna University of Engineering and Technology</a:t>
             </a:r>
             <a:br>
-              <a:rPr lang="en-US" sz="2800" dirty="0" smtClean="0"/>
+              <a:rPr lang="en-US" sz="1575" dirty="0"/>
             </a:br>
             <a:r>
-              <a:rPr lang="en-US" sz="2800" dirty="0" smtClean="0"/>
+              <a:rPr lang="en-US" sz="1575" dirty="0"/>
               <a:t>Bachelor of Engineering – BE, Computer Science and Technology(CSE)</a:t>
             </a:r>
           </a:p>
           <a:p>
             <a:r>
-              <a:rPr lang="en-US" sz="2400" dirty="0"/>
-              <a:t> </a:t>
-            </a:r>
-            <a:r>
-              <a:rPr lang="en-US" sz="2400" dirty="0" smtClean="0"/>
-              <a:t>     (2019 - 2025</a:t>
-            </a:r>
-            <a:r>
-              <a:rPr lang="en-US" sz="2800" dirty="0" smtClean="0"/>
+              <a:rPr lang="en-US" sz="1350" dirty="0"/>
+              <a:t>      (2019 - 2025</a:t>
+            </a:r>
+            <a:r>
+              <a:rPr lang="en-US" sz="1575" dirty="0"/>
               <a:t>)</a:t>
             </a:r>
           </a:p>
@@ -3417,8 +3387,8 @@
         </p:nvCxnSpPr>
         <p:spPr>
           <a:xfrm flipV="1">
-            <a:off x="546182" y="272387"/>
-            <a:ext cx="1841679" cy="21"/>
+            <a:off x="307228" y="3177405"/>
+            <a:ext cx="1035944" cy="12"/>
           </a:xfrm>
           <a:prstGeom prst="line">
             <a:avLst/>
@@ -3452,8 +3422,8 @@
         </p:nvSpPr>
         <p:spPr>
           <a:xfrm>
-            <a:off x="546181" y="2644590"/>
-            <a:ext cx="11024315" cy="954107"/>
+            <a:off x="307228" y="4511771"/>
+            <a:ext cx="6201177" cy="577081"/>
           </a:xfrm>
           <a:prstGeom prst="rect">
             <a:avLst/>
@@ -3466,27 +3436,27 @@
           </a:bodyPr>
           <a:lstStyle/>
           <a:p>
-            <a:pPr marL="457200" indent="-457200">
+            <a:pPr marL="257178" indent="-257178">
               <a:buFont typeface="Calibri" panose="020F0502020204030204" pitchFamily="34" charset="0"/>
               <a:buChar char="•"/>
             </a:pPr>
             <a:r>
-              <a:rPr lang="en-US" sz="2800" dirty="0" smtClean="0"/>
+              <a:rPr lang="en-US" sz="1575" dirty="0"/>
               <a:t>Notre Dame College 	</a:t>
             </a:r>
             <a:br>
-              <a:rPr lang="en-US" sz="2800" dirty="0" smtClean="0"/>
+              <a:rPr lang="en-US" sz="1575" dirty="0"/>
             </a:br>
             <a:r>
-              <a:rPr lang="en-US" sz="2800" dirty="0" smtClean="0"/>
+              <a:rPr lang="en-US" sz="1575" dirty="0"/>
               <a:t>HSC</a:t>
             </a:r>
             <a:r>
-              <a:rPr lang="en-US" sz="2000" dirty="0"/>
+              <a:rPr lang="en-US" sz="1125" dirty="0"/>
               <a:t> </a:t>
             </a:r>
             <a:r>
-              <a:rPr lang="en-US" sz="2400" dirty="0" smtClean="0"/>
+              <a:rPr lang="en-US" sz="1350" dirty="0"/>
               <a:t>(2017- 2019)</a:t>
             </a:r>
           </a:p>
@@ -3500,8 +3470,8 @@
         </p:nvSpPr>
         <p:spPr>
           <a:xfrm>
-            <a:off x="430272" y="3819221"/>
-            <a:ext cx="5083837" cy="584775"/>
+            <a:off x="242028" y="5172499"/>
+            <a:ext cx="2859658" cy="369332"/>
           </a:xfrm>
           <a:prstGeom prst="rect">
             <a:avLst/>
@@ -3515,14 +3485,13 @@
           <a:lstStyle/>
           <a:p>
             <a:r>
-              <a:rPr lang="en-US" sz="3200" dirty="0" smtClean="0"/>
+              <a:rPr lang="en-US" dirty="0"/>
               <a:t>Awards-Achievement</a:t>
             </a:r>
             <a:r>
-              <a:rPr lang="en-US" dirty="0" smtClean="0"/>
+              <a:rPr lang="en-US" sz="1013" dirty="0"/>
               <a:t>:</a:t>
             </a:r>
-            <a:endParaRPr lang="en-US" dirty="0"/>
           </a:p>
         </p:txBody>
       </p:sp>
@@ -3534,8 +3503,8 @@
         </p:nvSpPr>
         <p:spPr>
           <a:xfrm>
-            <a:off x="546181" y="4403996"/>
-            <a:ext cx="11174763" cy="523220"/>
+            <a:off x="307227" y="5501436"/>
+            <a:ext cx="6285804" cy="334707"/>
           </a:xfrm>
           <a:prstGeom prst="rect">
             <a:avLst/>
@@ -3548,20 +3517,20 @@
           </a:bodyPr>
           <a:lstStyle/>
           <a:p>
-            <a:pPr marL="457200" indent="-457200">
+            <a:pPr marL="257178" indent="-257178">
               <a:buFont typeface="Calibri" panose="020F0502020204030204" pitchFamily="34" charset="0"/>
               <a:buChar char="•"/>
             </a:pPr>
             <a:r>
-              <a:rPr lang="en-US" sz="2800" dirty="0" smtClean="0"/>
+              <a:rPr lang="en-US" sz="1575" dirty="0"/>
               <a:t>Intra KUET </a:t>
             </a:r>
             <a:r>
-              <a:rPr lang="en-US" sz="2800" smtClean="0"/>
+              <a:rPr lang="en-US" sz="1575"/>
               <a:t>Programming Champion (</a:t>
             </a:r>
             <a:r>
-              <a:rPr lang="en-US" sz="2800" dirty="0" smtClean="0"/>
+              <a:rPr lang="en-US" sz="1575" dirty="0"/>
               <a:t>2022)</a:t>
             </a:r>
           </a:p>
@@ -3575,8 +3544,8 @@
         </p:nvCxnSpPr>
         <p:spPr>
           <a:xfrm flipV="1">
-            <a:off x="546181" y="3744727"/>
-            <a:ext cx="1841679" cy="21"/>
+            <a:off x="307227" y="5130597"/>
+            <a:ext cx="1035944" cy="12"/>
           </a:xfrm>
           <a:prstGeom prst="line">
             <a:avLst/>
@@ -3610,8 +3579,8 @@
         </p:nvSpPr>
         <p:spPr>
           <a:xfrm>
-            <a:off x="546181" y="5001710"/>
-            <a:ext cx="11024315" cy="830997"/>
+            <a:off x="307228" y="5837651"/>
+            <a:ext cx="6201177" cy="507831"/>
           </a:xfrm>
           <a:prstGeom prst="rect">
             <a:avLst/>
@@ -3624,23 +3593,23 @@
           </a:bodyPr>
           <a:lstStyle/>
           <a:p>
-            <a:pPr marL="457200" indent="-457200">
+            <a:pPr marL="257178" indent="-257178">
               <a:buFont typeface="Calibri" panose="020F0502020204030204" pitchFamily="34" charset="0"/>
               <a:buChar char="•"/>
             </a:pPr>
             <a:r>
-              <a:rPr lang="en-US" sz="2800" dirty="0" smtClean="0"/>
+              <a:rPr lang="en-US" sz="1575" dirty="0"/>
               <a:t>Candidate Master(CM) in </a:t>
             </a:r>
             <a:r>
-              <a:rPr lang="en-US" sz="2800" i="1" dirty="0" err="1" smtClean="0"/>
+              <a:rPr lang="en-US" sz="1575" i="1" dirty="0" err="1"/>
               <a:t>Codeforces</a:t>
             </a:r>
-            <a:endParaRPr lang="en-US" sz="2400" i="1" dirty="0" smtClean="0"/>
-          </a:p>
-          <a:p>
-            <a:r>
-              <a:rPr lang="en-US" sz="2000" dirty="0" smtClean="0"/>
+            <a:endParaRPr lang="en-US" sz="1350" i="1" dirty="0"/>
+          </a:p>
+          <a:p>
+            <a:r>
+              <a:rPr lang="en-US" sz="1125" dirty="0"/>
               <a:t>       </a:t>
             </a:r>
           </a:p>
@@ -3654,8 +3623,8 @@
         </p:nvSpPr>
         <p:spPr>
           <a:xfrm>
-            <a:off x="546180" y="5658368"/>
-            <a:ext cx="11024315" cy="523220"/>
+            <a:off x="307228" y="6207020"/>
+            <a:ext cx="6201177" cy="334707"/>
           </a:xfrm>
           <a:prstGeom prst="rect">
             <a:avLst/>
@@ -3668,23 +3637,23 @@
           </a:bodyPr>
           <a:lstStyle/>
           <a:p>
-            <a:pPr marL="457200" indent="-457200">
+            <a:pPr marL="257178" indent="-257178">
               <a:buFont typeface="Calibri" panose="020F0502020204030204" pitchFamily="34" charset="0"/>
               <a:buChar char="•"/>
             </a:pPr>
             <a:r>
-              <a:rPr lang="en-US" sz="2800" dirty="0" smtClean="0"/>
+              <a:rPr lang="en-US" sz="1575" dirty="0"/>
               <a:t>8</a:t>
             </a:r>
             <a:r>
-              <a:rPr lang="en-US" sz="2800" baseline="30000" dirty="0" smtClean="0"/>
+              <a:rPr lang="en-US" sz="1575" baseline="30000" dirty="0"/>
               <a:t>th</a:t>
             </a:r>
             <a:r>
-              <a:rPr lang="en-US" sz="2800" dirty="0" smtClean="0"/>
+              <a:rPr lang="en-US" sz="1575" dirty="0"/>
               <a:t> in ICPC Dhaka Regional (2023)</a:t>
             </a:r>
-            <a:endParaRPr lang="en-US" sz="2000" dirty="0" smtClean="0"/>
+            <a:endParaRPr lang="en-US" sz="1125" dirty="0"/>
           </a:p>
         </p:txBody>
       </p:sp>
@@ -3698,20 +3667,13 @@
   <p:clrMapOvr>
     <a:masterClrMapping/>
   </p:clrMapOvr>
-  <p:timing>
-    <p:tnLst>
-      <p:par>
-        <p:cTn id="1" dur="indefinite" restart="never" nodeType="tmRoot"/>
-      </p:par>
-    </p:tnLst>
-  </p:timing>
 </p:sld>
 </file>
 
 <file path=ppt/theme/theme1.xml><?xml version="1.0" encoding="utf-8"?>
 <a:theme xmlns:a="http://schemas.openxmlformats.org/drawingml/2006/main" name="Office Theme">
   <a:themeElements>
-    <a:clrScheme name="Office">
+    <a:clrScheme name="Office Theme">
       <a:dk1>
         <a:sysClr val="windowText" lastClr="000000"/>
       </a:dk1>
@@ -3725,7 +3687,7 @@
         <a:srgbClr val="E7E6E6"/>
       </a:lt2>
       <a:accent1>
-        <a:srgbClr val="5B9BD5"/>
+        <a:srgbClr val="4472C4"/>
       </a:accent1>
       <a:accent2>
         <a:srgbClr val="ED7D31"/>
@@ -3737,7 +3699,7 @@
         <a:srgbClr val="FFC000"/>
       </a:accent4>
       <a:accent5>
-        <a:srgbClr val="4472C4"/>
+        <a:srgbClr val="5B9BD5"/>
       </a:accent5>
       <a:accent6>
         <a:srgbClr val="70AD47"/>
@@ -3749,14 +3711,14 @@
         <a:srgbClr val="954F72"/>
       </a:folHlink>
     </a:clrScheme>
-    <a:fontScheme name="Office">
+    <a:fontScheme name="Office Theme">
       <a:majorFont>
         <a:latin typeface="Calibri Light" panose="020F0302020204030204"/>
         <a:ea typeface=""/>
         <a:cs typeface=""/>
-        <a:font script="Jpan" typeface="ＭＳ Ｐゴシック"/>
+        <a:font script="Jpan" typeface="游ゴシック Light"/>
         <a:font script="Hang" typeface="맑은 고딕"/>
-        <a:font script="Hans" typeface="宋体"/>
+        <a:font script="Hans" typeface="等线 Light"/>
         <a:font script="Hant" typeface="新細明體"/>
         <a:font script="Arab" typeface="Times New Roman"/>
         <a:font script="Hebr" typeface="Times New Roman"/>
@@ -3789,9 +3751,9 @@
         <a:latin typeface="Calibri" panose="020F0502020204030204"/>
         <a:ea typeface=""/>
         <a:cs typeface=""/>
-        <a:font script="Jpan" typeface="ＭＳ Ｐゴシック"/>
+        <a:font script="Jpan" typeface="游ゴシック"/>
         <a:font script="Hang" typeface="맑은 고딕"/>
-        <a:font script="Hans" typeface="宋体"/>
+        <a:font script="Hans" typeface="等线"/>
         <a:font script="Hant" typeface="新細明體"/>
         <a:font script="Arab" typeface="Arial"/>
         <a:font script="Hebr" typeface="Arial"/>
@@ -3821,7 +3783,7 @@
         <a:font script="Geor" typeface="Sylfaen"/>
       </a:minorFont>
     </a:fontScheme>
-    <a:fmtScheme name="Office">
+    <a:fmtScheme name="Office Theme">
       <a:fillStyleLst>
         <a:solidFill>
           <a:schemeClr val="phClr"/>
@@ -3963,7 +3925,7 @@
   <a:extraClrSchemeLst/>
   <a:extLst>
     <a:ext uri="{05A4C25C-085E-4340-85A3-A5531E510DB2}">
-      <thm15:themeFamily xmlns:thm15="http://schemas.microsoft.com/office/thememl/2012/main" name="Office Theme" id="{62F939B6-93AF-4DB8-9C6B-D6C7DFDC589F}" vid="{4A3C46E8-61CC-4603-A589-7422A47A8E4A}"/>
+      <thm15:themeFamily xmlns:thm15="http://schemas.microsoft.com/office/thememl/2012/main" name="Office 2013 - 2022 Theme" id="{62F939B6-93AF-4DB8-9C6B-D6C7DFDC589F}" vid="{4A3C46E8-61CC-4603-A589-7422A47A8E4A}"/>
     </a:ext>
   </a:extLst>
 </a:theme>
